--- a/file/เตรียมพร้อมก่อนWorkshop.pptx
+++ b/file/เตรียมพร้อมก่อนWorkshop.pptx
@@ -10,8 +10,8 @@
   <p:sldIdLst>
     <p:sldId id="284" r:id="rId2"/>
     <p:sldId id="355" r:id="rId3"/>
-    <p:sldId id="354" r:id="rId4"/>
-    <p:sldId id="353" r:id="rId5"/>
+    <p:sldId id="353" r:id="rId4"/>
+    <p:sldId id="354" r:id="rId5"/>
   </p:sldIdLst>
   <p:sldSz cx="12192000" cy="6858000"/>
   <p:notesSz cx="6858000" cy="9144000"/>
@@ -110,6 +110,11 @@
       </a:defRPr>
     </a:lvl9pPr>
   </p:defaultTextStyle>
+  <p:extLst>
+    <p:ext uri="{EFAFB233-063F-42B5-8137-9DF3F51BA10A}">
+      <p15:sldGuideLst xmlns:p15="http://schemas.microsoft.com/office/powerpoint/2012/main"/>
+    </p:ext>
+  </p:extLst>
 </p:presentation>
 </file>
 
@@ -195,7 +200,7 @@
           <a:p>
             <a:fld id="{5E05A1BD-F34F-4F97-8F9E-74DB66718630}" type="datetimeFigureOut">
               <a:rPr lang="en-US" smtClean="0"/>
-              <a:t>6/16/2020</a:t>
+              <a:t>6/18/2020</a:t>
             </a:fld>
             <a:endParaRPr lang="en-US"/>
           </a:p>
@@ -713,7 +718,7 @@
           <a:p>
             <a:fld id="{AD9802A6-23FD-4249-8265-821B6E297857}" type="datetimeFigureOut">
               <a:rPr lang="en-US" smtClean="0"/>
-              <a:t>6/16/2020</a:t>
+              <a:t>6/18/2020</a:t>
             </a:fld>
             <a:endParaRPr lang="en-US"/>
           </a:p>
@@ -911,7 +916,7 @@
           <a:p>
             <a:fld id="{AD9802A6-23FD-4249-8265-821B6E297857}" type="datetimeFigureOut">
               <a:rPr lang="en-US" smtClean="0"/>
-              <a:t>6/16/2020</a:t>
+              <a:t>6/18/2020</a:t>
             </a:fld>
             <a:endParaRPr lang="en-US"/>
           </a:p>
@@ -1119,7 +1124,7 @@
           <a:p>
             <a:fld id="{AD9802A6-23FD-4249-8265-821B6E297857}" type="datetimeFigureOut">
               <a:rPr lang="en-US" smtClean="0"/>
-              <a:t>6/16/2020</a:t>
+              <a:t>6/18/2020</a:t>
             </a:fld>
             <a:endParaRPr lang="en-US"/>
           </a:p>
@@ -3766,7 +3771,7 @@
           <a:p>
             <a:fld id="{AD9802A6-23FD-4249-8265-821B6E297857}" type="datetimeFigureOut">
               <a:rPr lang="en-US" smtClean="0"/>
-              <a:t>6/16/2020</a:t>
+              <a:t>6/18/2020</a:t>
             </a:fld>
             <a:endParaRPr lang="en-US"/>
           </a:p>
@@ -4041,7 +4046,7 @@
           <a:p>
             <a:fld id="{AD9802A6-23FD-4249-8265-821B6E297857}" type="datetimeFigureOut">
               <a:rPr lang="en-US" smtClean="0"/>
-              <a:t>6/16/2020</a:t>
+              <a:t>6/18/2020</a:t>
             </a:fld>
             <a:endParaRPr lang="en-US"/>
           </a:p>
@@ -4306,7 +4311,7 @@
           <a:p>
             <a:fld id="{AD9802A6-23FD-4249-8265-821B6E297857}" type="datetimeFigureOut">
               <a:rPr lang="en-US" smtClean="0"/>
-              <a:t>6/16/2020</a:t>
+              <a:t>6/18/2020</a:t>
             </a:fld>
             <a:endParaRPr lang="en-US"/>
           </a:p>
@@ -4718,7 +4723,7 @@
           <a:p>
             <a:fld id="{AD9802A6-23FD-4249-8265-821B6E297857}" type="datetimeFigureOut">
               <a:rPr lang="en-US" smtClean="0"/>
-              <a:t>6/16/2020</a:t>
+              <a:t>6/18/2020</a:t>
             </a:fld>
             <a:endParaRPr lang="en-US"/>
           </a:p>
@@ -4859,7 +4864,7 @@
           <a:p>
             <a:fld id="{AD9802A6-23FD-4249-8265-821B6E297857}" type="datetimeFigureOut">
               <a:rPr lang="en-US" smtClean="0"/>
-              <a:t>6/16/2020</a:t>
+              <a:t>6/18/2020</a:t>
             </a:fld>
             <a:endParaRPr lang="en-US"/>
           </a:p>
@@ -4972,7 +4977,7 @@
           <a:p>
             <a:fld id="{AD9802A6-23FD-4249-8265-821B6E297857}" type="datetimeFigureOut">
               <a:rPr lang="en-US" smtClean="0"/>
-              <a:t>6/16/2020</a:t>
+              <a:t>6/18/2020</a:t>
             </a:fld>
             <a:endParaRPr lang="en-US"/>
           </a:p>
@@ -5283,7 +5288,7 @@
           <a:p>
             <a:fld id="{AD9802A6-23FD-4249-8265-821B6E297857}" type="datetimeFigureOut">
               <a:rPr lang="en-US" smtClean="0"/>
-              <a:t>6/16/2020</a:t>
+              <a:t>6/18/2020</a:t>
             </a:fld>
             <a:endParaRPr lang="en-US"/>
           </a:p>
@@ -5571,7 +5576,7 @@
           <a:p>
             <a:fld id="{AD9802A6-23FD-4249-8265-821B6E297857}" type="datetimeFigureOut">
               <a:rPr lang="en-US" smtClean="0"/>
-              <a:t>6/16/2020</a:t>
+              <a:t>6/18/2020</a:t>
             </a:fld>
             <a:endParaRPr lang="en-US"/>
           </a:p>
@@ -5812,7 +5817,7 @@
           <a:p>
             <a:fld id="{AD9802A6-23FD-4249-8265-821B6E297857}" type="datetimeFigureOut">
               <a:rPr lang="en-US" smtClean="0"/>
-              <a:t>6/16/2020</a:t>
+              <a:t>6/18/2020</a:t>
             </a:fld>
             <a:endParaRPr lang="en-US"/>
           </a:p>
@@ -6368,44 +6373,6 @@
       </p:grpSpPr>
       <p:sp>
         <p:nvSpPr>
-          <p:cNvPr id="6" name="Slide Number Placeholder 5">
-            <a:extLst>
-              <a:ext uri="{FF2B5EF4-FFF2-40B4-BE49-F238E27FC236}">
-                <a16:creationId xmlns:a16="http://schemas.microsoft.com/office/drawing/2014/main" id="{BE01AA48-BF3C-4AEB-B419-0C0AE3D34D00}"/>
-              </a:ext>
-            </a:extLst>
-          </p:cNvPr>
-          <p:cNvSpPr>
-            <a:spLocks noGrp="1"/>
-          </p:cNvSpPr>
-          <p:nvPr>
-            <p:ph type="sldNum" idx="12"/>
-          </p:nvPr>
-        </p:nvSpPr>
-        <p:spPr/>
-        <p:txBody>
-          <a:bodyPr/>
-          <a:lstStyle/>
-          <a:p>
-            <a:pPr defTabSz="1219170">
-              <a:buClr>
-                <a:srgbClr val="000000"/>
-              </a:buClr>
-              <a:defRPr/>
-            </a:pPr>
-            <a:endParaRPr lang="en" sz="1733" kern="0" dirty="0">
-              <a:solidFill>
-                <a:srgbClr val="4BB5D9"/>
-              </a:solidFill>
-              <a:latin typeface="Roboto Condensed"/>
-              <a:ea typeface="Roboto Condensed"/>
-              <a:sym typeface="Roboto Condensed"/>
-            </a:endParaRPr>
-          </a:p>
-        </p:txBody>
-      </p:sp>
-      <p:sp>
-        <p:nvSpPr>
           <p:cNvPr id="9" name="Title 1">
             <a:extLst>
               <a:ext uri="{FF2B5EF4-FFF2-40B4-BE49-F238E27FC236}">
@@ -6453,7 +6420,7 @@
         <p:spPr>
           <a:xfrm>
             <a:off x="891943" y="1694313"/>
-            <a:ext cx="10613456" cy="3046988"/>
+            <a:ext cx="10613456" cy="2308324"/>
           </a:xfrm>
           <a:prstGeom prst="rect">
             <a:avLst/>
@@ -6519,14 +6486,14 @@
                 <a:latin typeface="Angsana New" panose="02020603050405020304" pitchFamily="18" charset="-34"/>
                 <a:cs typeface="Angsana New" panose="02020603050405020304" pitchFamily="18" charset="-34"/>
               </a:rPr>
-              <a:t>HTML Boilerplate </a:t>
+              <a:t>Live Server</a:t>
             </a:r>
             <a:r>
               <a:rPr lang="th-TH" sz="2400" dirty="0">
                 <a:latin typeface="Angsana New" panose="02020603050405020304" pitchFamily="18" charset="-34"/>
                 <a:cs typeface="Angsana New" panose="02020603050405020304" pitchFamily="18" charset="-34"/>
               </a:rPr>
-              <a:t>ให้กับ </a:t>
+              <a:t> ให้กับ </a:t>
             </a:r>
             <a:r>
               <a:rPr lang="en-US" sz="2400" dirty="0">
@@ -6548,94 +6515,6 @@
                 <a:cs typeface="Angsana New" panose="02020603050405020304" pitchFamily="18" charset="-34"/>
                 <a:hlinkClick r:id="rId2"/>
               </a:rPr>
-              <a:t>https://marketplace.visualstudio.com/items?itemName=sidthesloth.html5-boilerplate</a:t>
-            </a:r>
-            <a:r>
-              <a:rPr lang="en-US" sz="2400" dirty="0">
-                <a:latin typeface="Angsana New" panose="02020603050405020304" pitchFamily="18" charset="-34"/>
-                <a:cs typeface="Angsana New" panose="02020603050405020304" pitchFamily="18" charset="-34"/>
-              </a:rPr>
-              <a:t>   (</a:t>
-            </a:r>
-            <a:r>
-              <a:rPr lang="th-TH" sz="2400" dirty="0">
-                <a:latin typeface="Angsana New" panose="02020603050405020304" pitchFamily="18" charset="-34"/>
-                <a:cs typeface="Angsana New" panose="02020603050405020304" pitchFamily="18" charset="-34"/>
-              </a:rPr>
-              <a:t>สำหรับเป็นตัวช่วยในการพิม </a:t>
-            </a:r>
-            <a:r>
-              <a:rPr lang="en-US" sz="2400" dirty="0">
-                <a:latin typeface="Angsana New" panose="02020603050405020304" pitchFamily="18" charset="-34"/>
-                <a:cs typeface="Angsana New" panose="02020603050405020304" pitchFamily="18" charset="-34"/>
-              </a:rPr>
-              <a:t>Tag HTML5 )</a:t>
-            </a:r>
-            <a:endParaRPr lang="th-TH" sz="2400" dirty="0">
-              <a:latin typeface="Angsana New" panose="02020603050405020304" pitchFamily="18" charset="-34"/>
-              <a:cs typeface="Angsana New" panose="02020603050405020304" pitchFamily="18" charset="-34"/>
-            </a:endParaRPr>
-          </a:p>
-          <a:p>
-            <a:pPr marL="457189" indent="-457189">
-              <a:buFont typeface="+mj-lt"/>
-              <a:buAutoNum type="arabicPeriod"/>
-            </a:pPr>
-            <a:r>
-              <a:rPr lang="th-TH" sz="2400" dirty="0">
-                <a:latin typeface="Angsana New" panose="02020603050405020304" pitchFamily="18" charset="-34"/>
-                <a:cs typeface="Angsana New" panose="02020603050405020304" pitchFamily="18" charset="-34"/>
-              </a:rPr>
-              <a:t>ทำการ</a:t>
-            </a:r>
-            <a:r>
-              <a:rPr lang="en-US" sz="2400" dirty="0">
-                <a:latin typeface="Angsana New" panose="02020603050405020304" pitchFamily="18" charset="-34"/>
-                <a:cs typeface="Angsana New" panose="02020603050405020304" pitchFamily="18" charset="-34"/>
-              </a:rPr>
-              <a:t> Install Extensions </a:t>
-            </a:r>
-            <a:r>
-              <a:rPr lang="th-TH" sz="2400" dirty="0">
-                <a:latin typeface="Angsana New" panose="02020603050405020304" pitchFamily="18" charset="-34"/>
-                <a:cs typeface="Angsana New" panose="02020603050405020304" pitchFamily="18" charset="-34"/>
-              </a:rPr>
-              <a:t>ชื่อ </a:t>
-            </a:r>
-            <a:r>
-              <a:rPr lang="en-US" sz="2400" dirty="0">
-                <a:latin typeface="Angsana New" panose="02020603050405020304" pitchFamily="18" charset="-34"/>
-                <a:cs typeface="Angsana New" panose="02020603050405020304" pitchFamily="18" charset="-34"/>
-              </a:rPr>
-              <a:t>Live Server</a:t>
-            </a:r>
-            <a:r>
-              <a:rPr lang="th-TH" sz="2400" dirty="0">
-                <a:latin typeface="Angsana New" panose="02020603050405020304" pitchFamily="18" charset="-34"/>
-                <a:cs typeface="Angsana New" panose="02020603050405020304" pitchFamily="18" charset="-34"/>
-              </a:rPr>
-              <a:t> ให้กับ </a:t>
-            </a:r>
-            <a:r>
-              <a:rPr lang="en-US" sz="2400" dirty="0">
-                <a:latin typeface="Angsana New" panose="02020603050405020304" pitchFamily="18" charset="-34"/>
-                <a:cs typeface="Angsana New" panose="02020603050405020304" pitchFamily="18" charset="-34"/>
-              </a:rPr>
-              <a:t>Visual Studio Code</a:t>
-            </a:r>
-            <a:r>
-              <a:rPr lang="th-TH" sz="2400" dirty="0">
-                <a:latin typeface="Angsana New" panose="02020603050405020304" pitchFamily="18" charset="-34"/>
-                <a:cs typeface="Angsana New" panose="02020603050405020304" pitchFamily="18" charset="-34"/>
-              </a:rPr>
-              <a:t> </a:t>
-            </a:r>
-            <a:r>
-              <a:rPr lang="en-US" sz="2400" dirty="0">
-                <a:latin typeface="Angsana New" panose="02020603050405020304" pitchFamily="18" charset="-34"/>
-                <a:cs typeface="Angsana New" panose="02020603050405020304" pitchFamily="18" charset="-34"/>
-                <a:hlinkClick r:id="rId3"/>
-              </a:rPr>
               <a:t>https://marketplace.visualstudio.com/items?itemName=ritwickdey.LiveServer</a:t>
             </a:r>
             <a:r>
@@ -6666,6 +6545,20 @@
               </a:rPr>
               <a:t>Save)</a:t>
             </a:r>
+            <a:endParaRPr lang="th-TH" sz="2400" dirty="0">
+              <a:latin typeface="Angsana New" panose="02020603050405020304" pitchFamily="18" charset="-34"/>
+              <a:cs typeface="Angsana New" panose="02020603050405020304" pitchFamily="18" charset="-34"/>
+            </a:endParaRPr>
+          </a:p>
+          <a:p>
+            <a:pPr marL="457189" indent="-457189">
+              <a:buFont typeface="+mj-lt"/>
+              <a:buAutoNum type="arabicPeriod"/>
+            </a:pPr>
+            <a:endParaRPr lang="en-US" sz="2400" dirty="0">
+              <a:latin typeface="Angsana New" panose="02020603050405020304" pitchFamily="18" charset="-34"/>
+              <a:cs typeface="Angsana New" panose="02020603050405020304" pitchFamily="18" charset="-34"/>
+            </a:endParaRPr>
           </a:p>
           <a:p>
             <a:endParaRPr lang="en-US" sz="2400" dirty="0">
@@ -6705,584 +6598,6 @@
           <a:chExt cx="0" cy="0"/>
         </a:xfrm>
       </p:grpSpPr>
-      <p:pic>
-        <p:nvPicPr>
-          <p:cNvPr id="8" name="Picture 7">
-            <a:extLst>
-              <a:ext uri="{FF2B5EF4-FFF2-40B4-BE49-F238E27FC236}">
-                <a16:creationId xmlns:a16="http://schemas.microsoft.com/office/drawing/2014/main" id="{D1F32364-858A-4A79-8365-572D620AC60B}"/>
-              </a:ext>
-            </a:extLst>
-          </p:cNvPr>
-          <p:cNvPicPr>
-            <a:picLocks noChangeAspect="1"/>
-          </p:cNvPicPr>
-          <p:nvPr/>
-        </p:nvPicPr>
-        <p:blipFill>
-          <a:blip r:embed="rId2"/>
-          <a:stretch>
-            <a:fillRect/>
-          </a:stretch>
-        </p:blipFill>
-        <p:spPr>
-          <a:xfrm>
-            <a:off x="2818547" y="1229644"/>
-            <a:ext cx="8590499" cy="5092409"/>
-          </a:xfrm>
-          <a:prstGeom prst="rect">
-            <a:avLst/>
-          </a:prstGeom>
-        </p:spPr>
-      </p:pic>
-      <p:sp>
-        <p:nvSpPr>
-          <p:cNvPr id="7" name="Rectangle 6">
-            <a:extLst>
-              <a:ext uri="{FF2B5EF4-FFF2-40B4-BE49-F238E27FC236}">
-                <a16:creationId xmlns:a16="http://schemas.microsoft.com/office/drawing/2014/main" id="{D9E2D1D0-EBAC-4D05-AEFC-5DCCBDAEEAD1}"/>
-              </a:ext>
-            </a:extLst>
-          </p:cNvPr>
-          <p:cNvSpPr/>
-          <p:nvPr/>
-        </p:nvSpPr>
-        <p:spPr>
-          <a:xfrm>
-            <a:off x="3205196" y="1640021"/>
-            <a:ext cx="1397803" cy="314425"/>
-          </a:xfrm>
-          <a:prstGeom prst="rect">
-            <a:avLst/>
-          </a:prstGeom>
-          <a:noFill/>
-          <a:ln w="38100" cap="flat" cmpd="sng" algn="ctr">
-            <a:solidFill>
-              <a:srgbClr val="FF0000"/>
-            </a:solidFill>
-            <a:prstDash val="solid"/>
-            <a:round/>
-            <a:headEnd type="none" w="med" len="med"/>
-            <a:tailEnd type="none" w="med" len="med"/>
-          </a:ln>
-        </p:spPr>
-        <p:style>
-          <a:lnRef idx="0">
-            <a:scrgbClr r="0" g="0" b="0"/>
-          </a:lnRef>
-          <a:fillRef idx="0">
-            <a:scrgbClr r="0" g="0" b="0"/>
-          </a:fillRef>
-          <a:effectRef idx="0">
-            <a:scrgbClr r="0" g="0" b="0"/>
-          </a:effectRef>
-          <a:fontRef idx="minor">
-            <a:schemeClr val="accent4"/>
-          </a:fontRef>
-        </p:style>
-        <p:txBody>
-          <a:bodyPr rtlCol="0" anchor="ctr"/>
-          <a:lstStyle/>
-          <a:p>
-            <a:pPr algn="ctr"/>
-            <a:endParaRPr lang="en-US" sz="2400"/>
-          </a:p>
-        </p:txBody>
-      </p:sp>
-      <p:sp>
-        <p:nvSpPr>
-          <p:cNvPr id="5" name="Rectangle 4">
-            <a:extLst>
-              <a:ext uri="{FF2B5EF4-FFF2-40B4-BE49-F238E27FC236}">
-                <a16:creationId xmlns:a16="http://schemas.microsoft.com/office/drawing/2014/main" id="{E1CF01A9-2455-40D7-A55C-3105DD69B35D}"/>
-              </a:ext>
-            </a:extLst>
-          </p:cNvPr>
-          <p:cNvSpPr/>
-          <p:nvPr/>
-        </p:nvSpPr>
-        <p:spPr>
-          <a:xfrm>
-            <a:off x="2818547" y="2850962"/>
-            <a:ext cx="288757" cy="314425"/>
-          </a:xfrm>
-          <a:prstGeom prst="rect">
-            <a:avLst/>
-          </a:prstGeom>
-          <a:noFill/>
-          <a:ln w="38100" cap="flat" cmpd="sng" algn="ctr">
-            <a:solidFill>
-              <a:srgbClr val="FF0000"/>
-            </a:solidFill>
-            <a:prstDash val="solid"/>
-            <a:round/>
-            <a:headEnd type="none" w="med" len="med"/>
-            <a:tailEnd type="none" w="med" len="med"/>
-          </a:ln>
-        </p:spPr>
-        <p:style>
-          <a:lnRef idx="0">
-            <a:scrgbClr r="0" g="0" b="0"/>
-          </a:lnRef>
-          <a:fillRef idx="0">
-            <a:scrgbClr r="0" g="0" b="0"/>
-          </a:fillRef>
-          <a:effectRef idx="0">
-            <a:scrgbClr r="0" g="0" b="0"/>
-          </a:effectRef>
-          <a:fontRef idx="minor">
-            <a:schemeClr val="accent4"/>
-          </a:fontRef>
-        </p:style>
-        <p:txBody>
-          <a:bodyPr rtlCol="0" anchor="ctr"/>
-          <a:lstStyle/>
-          <a:p>
-            <a:pPr algn="ctr"/>
-            <a:endParaRPr lang="en-US" sz="2400"/>
-          </a:p>
-        </p:txBody>
-      </p:sp>
-      <p:sp>
-        <p:nvSpPr>
-          <p:cNvPr id="9" name="Rectangle 8">
-            <a:extLst>
-              <a:ext uri="{FF2B5EF4-FFF2-40B4-BE49-F238E27FC236}">
-                <a16:creationId xmlns:a16="http://schemas.microsoft.com/office/drawing/2014/main" id="{D8452FBC-140E-41F2-9800-93A69AD8A87A}"/>
-              </a:ext>
-            </a:extLst>
-          </p:cNvPr>
-          <p:cNvSpPr/>
-          <p:nvPr/>
-        </p:nvSpPr>
-        <p:spPr>
-          <a:xfrm>
-            <a:off x="5548621" y="2360055"/>
-            <a:ext cx="730288" cy="297007"/>
-          </a:xfrm>
-          <a:prstGeom prst="rect">
-            <a:avLst/>
-          </a:prstGeom>
-          <a:noFill/>
-          <a:ln w="38100" cap="flat" cmpd="sng" algn="ctr">
-            <a:solidFill>
-              <a:srgbClr val="FF0000"/>
-            </a:solidFill>
-            <a:prstDash val="solid"/>
-            <a:round/>
-            <a:headEnd type="none" w="med" len="med"/>
-            <a:tailEnd type="none" w="med" len="med"/>
-          </a:ln>
-        </p:spPr>
-        <p:style>
-          <a:lnRef idx="0">
-            <a:scrgbClr r="0" g="0" b="0"/>
-          </a:lnRef>
-          <a:fillRef idx="0">
-            <a:scrgbClr r="0" g="0" b="0"/>
-          </a:fillRef>
-          <a:effectRef idx="0">
-            <a:scrgbClr r="0" g="0" b="0"/>
-          </a:effectRef>
-          <a:fontRef idx="minor">
-            <a:schemeClr val="accent4"/>
-          </a:fontRef>
-        </p:style>
-        <p:txBody>
-          <a:bodyPr rtlCol="0" anchor="ctr"/>
-          <a:lstStyle/>
-          <a:p>
-            <a:pPr algn="ctr"/>
-            <a:endParaRPr lang="en-US" sz="2400"/>
-          </a:p>
-        </p:txBody>
-      </p:sp>
-      <p:cxnSp>
-        <p:nvCxnSpPr>
-          <p:cNvPr id="14" name="Connector: Elbow 13">
-            <a:extLst>
-              <a:ext uri="{FF2B5EF4-FFF2-40B4-BE49-F238E27FC236}">
-                <a16:creationId xmlns:a16="http://schemas.microsoft.com/office/drawing/2014/main" id="{CBE9F361-7C9C-4C56-B367-EEEC4E87221F}"/>
-              </a:ext>
-            </a:extLst>
-          </p:cNvPr>
-          <p:cNvCxnSpPr>
-            <a:cxnSpLocks/>
-            <a:endCxn id="9" idx="2"/>
-          </p:cNvCxnSpPr>
-          <p:nvPr/>
-        </p:nvCxnSpPr>
-        <p:spPr>
-          <a:xfrm flipV="1">
-            <a:off x="1196357" y="2657062"/>
-            <a:ext cx="4717409" cy="1652685"/>
-          </a:xfrm>
-          <a:prstGeom prst="bentConnector2">
-            <a:avLst/>
-          </a:prstGeom>
-          <a:ln>
-            <a:solidFill>
-              <a:srgbClr val="92D050"/>
-            </a:solidFill>
-            <a:tailEnd type="triangle"/>
-          </a:ln>
-        </p:spPr>
-        <p:style>
-          <a:lnRef idx="3">
-            <a:schemeClr val="accent1"/>
-          </a:lnRef>
-          <a:fillRef idx="0">
-            <a:schemeClr val="accent1"/>
-          </a:fillRef>
-          <a:effectRef idx="2">
-            <a:schemeClr val="accent1"/>
-          </a:effectRef>
-          <a:fontRef idx="minor">
-            <a:schemeClr val="tx1"/>
-          </a:fontRef>
-        </p:style>
-      </p:cxnSp>
-      <p:cxnSp>
-        <p:nvCxnSpPr>
-          <p:cNvPr id="15" name="Connector: Elbow 14">
-            <a:extLst>
-              <a:ext uri="{FF2B5EF4-FFF2-40B4-BE49-F238E27FC236}">
-                <a16:creationId xmlns:a16="http://schemas.microsoft.com/office/drawing/2014/main" id="{0675B314-D4D1-4762-B5C6-78CBAF11C7D7}"/>
-              </a:ext>
-            </a:extLst>
-          </p:cNvPr>
-          <p:cNvCxnSpPr>
-            <a:cxnSpLocks/>
-            <a:endCxn id="5" idx="2"/>
-          </p:cNvCxnSpPr>
-          <p:nvPr/>
-        </p:nvCxnSpPr>
-        <p:spPr>
-          <a:xfrm flipV="1">
-            <a:off x="2278381" y="3165387"/>
-            <a:ext cx="684545" cy="432579"/>
-          </a:xfrm>
-          <a:prstGeom prst="bentConnector2">
-            <a:avLst/>
-          </a:prstGeom>
-          <a:ln>
-            <a:solidFill>
-              <a:srgbClr val="92D050"/>
-            </a:solidFill>
-            <a:tailEnd type="triangle"/>
-          </a:ln>
-        </p:spPr>
-        <p:style>
-          <a:lnRef idx="3">
-            <a:schemeClr val="accent1"/>
-          </a:lnRef>
-          <a:fillRef idx="0">
-            <a:schemeClr val="accent1"/>
-          </a:fillRef>
-          <a:effectRef idx="2">
-            <a:schemeClr val="accent1"/>
-          </a:effectRef>
-          <a:fontRef idx="minor">
-            <a:schemeClr val="tx1"/>
-          </a:fontRef>
-        </p:style>
-      </p:cxnSp>
-      <p:cxnSp>
-        <p:nvCxnSpPr>
-          <p:cNvPr id="20" name="Connector: Elbow 19">
-            <a:extLst>
-              <a:ext uri="{FF2B5EF4-FFF2-40B4-BE49-F238E27FC236}">
-                <a16:creationId xmlns:a16="http://schemas.microsoft.com/office/drawing/2014/main" id="{700A79EC-1982-473F-B11C-B867EC9EAF3A}"/>
-              </a:ext>
-            </a:extLst>
-          </p:cNvPr>
-          <p:cNvCxnSpPr>
-            <a:cxnSpLocks/>
-            <a:endCxn id="7" idx="2"/>
-          </p:cNvCxnSpPr>
-          <p:nvPr/>
-        </p:nvCxnSpPr>
-        <p:spPr>
-          <a:xfrm flipV="1">
-            <a:off x="1843518" y="1954446"/>
-            <a:ext cx="2060580" cy="1988076"/>
-          </a:xfrm>
-          <a:prstGeom prst="bentConnector2">
-            <a:avLst/>
-          </a:prstGeom>
-          <a:ln>
-            <a:solidFill>
-              <a:srgbClr val="92D050"/>
-            </a:solidFill>
-            <a:tailEnd type="triangle"/>
-          </a:ln>
-        </p:spPr>
-        <p:style>
-          <a:lnRef idx="3">
-            <a:schemeClr val="accent1"/>
-          </a:lnRef>
-          <a:fillRef idx="0">
-            <a:schemeClr val="accent1"/>
-          </a:fillRef>
-          <a:effectRef idx="2">
-            <a:schemeClr val="accent1"/>
-          </a:effectRef>
-          <a:fontRef idx="minor">
-            <a:schemeClr val="tx1"/>
-          </a:fontRef>
-        </p:style>
-      </p:cxnSp>
-      <p:sp>
-        <p:nvSpPr>
-          <p:cNvPr id="35" name="TextBox 34">
-            <a:extLst>
-              <a:ext uri="{FF2B5EF4-FFF2-40B4-BE49-F238E27FC236}">
-                <a16:creationId xmlns:a16="http://schemas.microsoft.com/office/drawing/2014/main" id="{9DC93C5A-E840-4951-B4D1-C6F9198C15E6}"/>
-              </a:ext>
-            </a:extLst>
-          </p:cNvPr>
-          <p:cNvSpPr txBox="1"/>
-          <p:nvPr/>
-        </p:nvSpPr>
-        <p:spPr>
-          <a:xfrm>
-            <a:off x="87091" y="3315600"/>
-            <a:ext cx="1999265" cy="461665"/>
-          </a:xfrm>
-          <a:prstGeom prst="rect">
-            <a:avLst/>
-          </a:prstGeom>
-          <a:noFill/>
-        </p:spPr>
-        <p:txBody>
-          <a:bodyPr wrap="none" rtlCol="0">
-            <a:spAutoFit/>
-          </a:bodyPr>
-          <a:lstStyle/>
-          <a:p>
-            <a:r>
-              <a:rPr lang="en-US" sz="2400" b="1" dirty="0">
-                <a:solidFill>
-                  <a:srgbClr val="FF0000"/>
-                </a:solidFill>
-              </a:rPr>
-              <a:t>1 </a:t>
-            </a:r>
-            <a:r>
-              <a:rPr lang="th-TH" sz="1467" b="1" dirty="0"/>
-              <a:t>คล</a:t>
-            </a:r>
-            <a:r>
-              <a:rPr lang="th-TH" sz="1467" b="1" dirty="0" err="1"/>
-              <a:t>ิ๊ก</a:t>
-            </a:r>
-            <a:r>
-              <a:rPr lang="en-US" sz="1467" b="1" dirty="0"/>
-              <a:t> Icon Extensions  </a:t>
-            </a:r>
-            <a:endParaRPr lang="en-US" sz="2400" b="1" dirty="0"/>
-          </a:p>
-        </p:txBody>
-      </p:sp>
-      <p:sp>
-        <p:nvSpPr>
-          <p:cNvPr id="37" name="TextBox 36">
-            <a:extLst>
-              <a:ext uri="{FF2B5EF4-FFF2-40B4-BE49-F238E27FC236}">
-                <a16:creationId xmlns:a16="http://schemas.microsoft.com/office/drawing/2014/main" id="{B1F62E6D-556D-45FB-A5CA-30D593037E5A}"/>
-              </a:ext>
-            </a:extLst>
-          </p:cNvPr>
-          <p:cNvSpPr txBox="1"/>
-          <p:nvPr/>
-        </p:nvSpPr>
-        <p:spPr>
-          <a:xfrm>
-            <a:off x="97835" y="3653465"/>
-            <a:ext cx="1435521" cy="461665"/>
-          </a:xfrm>
-          <a:prstGeom prst="rect">
-            <a:avLst/>
-          </a:prstGeom>
-          <a:noFill/>
-        </p:spPr>
-        <p:txBody>
-          <a:bodyPr wrap="none" rtlCol="0">
-            <a:spAutoFit/>
-          </a:bodyPr>
-          <a:lstStyle/>
-          <a:p>
-            <a:r>
-              <a:rPr lang="en-US" sz="2400" b="1" dirty="0">
-                <a:solidFill>
-                  <a:srgbClr val="FF0000"/>
-                </a:solidFill>
-              </a:rPr>
-              <a:t>2</a:t>
-            </a:r>
-            <a:r>
-              <a:rPr lang="th-TH" sz="2400" b="1" dirty="0">
-                <a:solidFill>
-                  <a:srgbClr val="FF0000"/>
-                </a:solidFill>
-              </a:rPr>
-              <a:t> </a:t>
-            </a:r>
-            <a:r>
-              <a:rPr lang="en-US" sz="1467" b="1" dirty="0"/>
-              <a:t>Search Name</a:t>
-            </a:r>
-            <a:endParaRPr lang="en-US" sz="2400" b="1" dirty="0"/>
-          </a:p>
-        </p:txBody>
-      </p:sp>
-      <p:sp>
-        <p:nvSpPr>
-          <p:cNvPr id="38" name="TextBox 37">
-            <a:extLst>
-              <a:ext uri="{FF2B5EF4-FFF2-40B4-BE49-F238E27FC236}">
-                <a16:creationId xmlns:a16="http://schemas.microsoft.com/office/drawing/2014/main" id="{78253D5F-5360-4A11-B10F-32A71E766E06}"/>
-              </a:ext>
-            </a:extLst>
-          </p:cNvPr>
-          <p:cNvSpPr txBox="1"/>
-          <p:nvPr/>
-        </p:nvSpPr>
-        <p:spPr>
-          <a:xfrm>
-            <a:off x="101380" y="4024782"/>
-            <a:ext cx="882806" cy="461665"/>
-          </a:xfrm>
-          <a:prstGeom prst="rect">
-            <a:avLst/>
-          </a:prstGeom>
-          <a:noFill/>
-        </p:spPr>
-        <p:txBody>
-          <a:bodyPr wrap="none" rtlCol="0">
-            <a:spAutoFit/>
-          </a:bodyPr>
-          <a:lstStyle/>
-          <a:p>
-            <a:r>
-              <a:rPr lang="en-US" sz="2400" b="1" dirty="0">
-                <a:solidFill>
-                  <a:srgbClr val="FF0000"/>
-                </a:solidFill>
-              </a:rPr>
-              <a:t>3 </a:t>
-            </a:r>
-            <a:r>
-              <a:rPr lang="en-US" sz="1467" b="1" dirty="0"/>
-              <a:t>Install</a:t>
-            </a:r>
-            <a:endParaRPr lang="en-US" sz="2400" b="1" dirty="0"/>
-          </a:p>
-        </p:txBody>
-      </p:sp>
-      <p:sp>
-        <p:nvSpPr>
-          <p:cNvPr id="40" name="Title 1">
-            <a:extLst>
-              <a:ext uri="{FF2B5EF4-FFF2-40B4-BE49-F238E27FC236}">
-                <a16:creationId xmlns:a16="http://schemas.microsoft.com/office/drawing/2014/main" id="{BA778E92-6049-4E38-BCE6-1508C4881362}"/>
-              </a:ext>
-            </a:extLst>
-          </p:cNvPr>
-          <p:cNvSpPr>
-            <a:spLocks noGrp="1"/>
-          </p:cNvSpPr>
-          <p:nvPr>
-            <p:ph type="title"/>
-          </p:nvPr>
-        </p:nvSpPr>
-        <p:spPr>
-          <a:xfrm>
-            <a:off x="5020785" y="347749"/>
-            <a:ext cx="4309959" cy="755204"/>
-          </a:xfrm>
-        </p:spPr>
-        <p:txBody>
-          <a:bodyPr/>
-          <a:lstStyle/>
-          <a:p>
-            <a:r>
-              <a:rPr lang="en-US" dirty="0">
-                <a:latin typeface="+mn-lt"/>
-              </a:rPr>
-              <a:t>Install Extensions </a:t>
-            </a:r>
-          </a:p>
-        </p:txBody>
-      </p:sp>
-    </p:spTree>
-    <p:extLst>
-      <p:ext uri="{BB962C8B-B14F-4D97-AF65-F5344CB8AC3E}">
-        <p14:creationId xmlns:p14="http://schemas.microsoft.com/office/powerpoint/2010/main" val="1633510752"/>
-      </p:ext>
-    </p:extLst>
-  </p:cSld>
-  <p:clrMapOvr>
-    <a:masterClrMapping/>
-  </p:clrMapOvr>
-</p:sld>
-</file>
-
-<file path=ppt/slides/slide4.xml><?xml version="1.0" encoding="utf-8"?>
-<p:sld xmlns:a="http://schemas.openxmlformats.org/drawingml/2006/main" xmlns:r="http://schemas.openxmlformats.org/officeDocument/2006/relationships" xmlns:p="http://schemas.openxmlformats.org/presentationml/2006/main">
-  <p:cSld>
-    <p:spTree>
-      <p:nvGrpSpPr>
-        <p:cNvPr id="1" name=""/>
-        <p:cNvGrpSpPr/>
-        <p:nvPr/>
-      </p:nvGrpSpPr>
-      <p:grpSpPr>
-        <a:xfrm>
-          <a:off x="0" y="0"/>
-          <a:ext cx="0" cy="0"/>
-          <a:chOff x="0" y="0"/>
-          <a:chExt cx="0" cy="0"/>
-        </a:xfrm>
-      </p:grpSpPr>
-      <p:sp>
-        <p:nvSpPr>
-          <p:cNvPr id="6" name="Slide Number Placeholder 5">
-            <a:extLst>
-              <a:ext uri="{FF2B5EF4-FFF2-40B4-BE49-F238E27FC236}">
-                <a16:creationId xmlns:a16="http://schemas.microsoft.com/office/drawing/2014/main" id="{BE01AA48-BF3C-4AEB-B419-0C0AE3D34D00}"/>
-              </a:ext>
-            </a:extLst>
-          </p:cNvPr>
-          <p:cNvSpPr>
-            <a:spLocks noGrp="1"/>
-          </p:cNvSpPr>
-          <p:nvPr>
-            <p:ph type="sldNum" idx="12"/>
-          </p:nvPr>
-        </p:nvSpPr>
-        <p:spPr/>
-        <p:txBody>
-          <a:bodyPr/>
-          <a:lstStyle/>
-          <a:p>
-            <a:pPr defTabSz="1219170">
-              <a:buClr>
-                <a:srgbClr val="000000"/>
-              </a:buClr>
-              <a:defRPr/>
-            </a:pPr>
-            <a:endParaRPr lang="en" sz="1733" kern="0" dirty="0">
-              <a:solidFill>
-                <a:srgbClr val="4BB5D9"/>
-              </a:solidFill>
-              <a:latin typeface="Roboto Condensed"/>
-              <a:ea typeface="Roboto Condensed"/>
-              <a:sym typeface="Roboto Condensed"/>
-            </a:endParaRPr>
-          </a:p>
-        </p:txBody>
-      </p:sp>
       <p:pic>
         <p:nvPicPr>
           <p:cNvPr id="2" name="Picture 1">
@@ -7796,6 +7111,546 @@
     <p:extLst>
       <p:ext uri="{BB962C8B-B14F-4D97-AF65-F5344CB8AC3E}">
         <p14:creationId xmlns:p14="http://schemas.microsoft.com/office/powerpoint/2010/main" val="3954789312"/>
+      </p:ext>
+    </p:extLst>
+  </p:cSld>
+  <p:clrMapOvr>
+    <a:masterClrMapping/>
+  </p:clrMapOvr>
+</p:sld>
+</file>
+
+<file path=ppt/slides/slide4.xml><?xml version="1.0" encoding="utf-8"?>
+<p:sld xmlns:a="http://schemas.openxmlformats.org/drawingml/2006/main" xmlns:r="http://schemas.openxmlformats.org/officeDocument/2006/relationships" xmlns:p="http://schemas.openxmlformats.org/presentationml/2006/main">
+  <p:cSld>
+    <p:spTree>
+      <p:nvGrpSpPr>
+        <p:cNvPr id="1" name=""/>
+        <p:cNvGrpSpPr/>
+        <p:nvPr/>
+      </p:nvGrpSpPr>
+      <p:grpSpPr>
+        <a:xfrm>
+          <a:off x="0" y="0"/>
+          <a:ext cx="0" cy="0"/>
+          <a:chOff x="0" y="0"/>
+          <a:chExt cx="0" cy="0"/>
+        </a:xfrm>
+      </p:grpSpPr>
+      <p:pic>
+        <p:nvPicPr>
+          <p:cNvPr id="8" name="Picture 7">
+            <a:extLst>
+              <a:ext uri="{FF2B5EF4-FFF2-40B4-BE49-F238E27FC236}">
+                <a16:creationId xmlns:a16="http://schemas.microsoft.com/office/drawing/2014/main" id="{D1F32364-858A-4A79-8365-572D620AC60B}"/>
+              </a:ext>
+            </a:extLst>
+          </p:cNvPr>
+          <p:cNvPicPr>
+            <a:picLocks noChangeAspect="1"/>
+          </p:cNvPicPr>
+          <p:nvPr/>
+        </p:nvPicPr>
+        <p:blipFill>
+          <a:blip r:embed="rId2"/>
+          <a:stretch>
+            <a:fillRect/>
+          </a:stretch>
+        </p:blipFill>
+        <p:spPr>
+          <a:xfrm>
+            <a:off x="2818547" y="1229644"/>
+            <a:ext cx="8590499" cy="5092409"/>
+          </a:xfrm>
+          <a:prstGeom prst="rect">
+            <a:avLst/>
+          </a:prstGeom>
+        </p:spPr>
+      </p:pic>
+      <p:sp>
+        <p:nvSpPr>
+          <p:cNvPr id="7" name="Rectangle 6">
+            <a:extLst>
+              <a:ext uri="{FF2B5EF4-FFF2-40B4-BE49-F238E27FC236}">
+                <a16:creationId xmlns:a16="http://schemas.microsoft.com/office/drawing/2014/main" id="{D9E2D1D0-EBAC-4D05-AEFC-5DCCBDAEEAD1}"/>
+              </a:ext>
+            </a:extLst>
+          </p:cNvPr>
+          <p:cNvSpPr/>
+          <p:nvPr/>
+        </p:nvSpPr>
+        <p:spPr>
+          <a:xfrm>
+            <a:off x="3205196" y="1640021"/>
+            <a:ext cx="1397803" cy="314425"/>
+          </a:xfrm>
+          <a:prstGeom prst="rect">
+            <a:avLst/>
+          </a:prstGeom>
+          <a:noFill/>
+          <a:ln w="38100" cap="flat" cmpd="sng" algn="ctr">
+            <a:solidFill>
+              <a:srgbClr val="FF0000"/>
+            </a:solidFill>
+            <a:prstDash val="solid"/>
+            <a:round/>
+            <a:headEnd type="none" w="med" len="med"/>
+            <a:tailEnd type="none" w="med" len="med"/>
+          </a:ln>
+        </p:spPr>
+        <p:style>
+          <a:lnRef idx="0">
+            <a:scrgbClr r="0" g="0" b="0"/>
+          </a:lnRef>
+          <a:fillRef idx="0">
+            <a:scrgbClr r="0" g="0" b="0"/>
+          </a:fillRef>
+          <a:effectRef idx="0">
+            <a:scrgbClr r="0" g="0" b="0"/>
+          </a:effectRef>
+          <a:fontRef idx="minor">
+            <a:schemeClr val="accent4"/>
+          </a:fontRef>
+        </p:style>
+        <p:txBody>
+          <a:bodyPr rtlCol="0" anchor="ctr"/>
+          <a:lstStyle/>
+          <a:p>
+            <a:pPr algn="ctr"/>
+            <a:endParaRPr lang="en-US" sz="2400"/>
+          </a:p>
+        </p:txBody>
+      </p:sp>
+      <p:sp>
+        <p:nvSpPr>
+          <p:cNvPr id="5" name="Rectangle 4">
+            <a:extLst>
+              <a:ext uri="{FF2B5EF4-FFF2-40B4-BE49-F238E27FC236}">
+                <a16:creationId xmlns:a16="http://schemas.microsoft.com/office/drawing/2014/main" id="{E1CF01A9-2455-40D7-A55C-3105DD69B35D}"/>
+              </a:ext>
+            </a:extLst>
+          </p:cNvPr>
+          <p:cNvSpPr/>
+          <p:nvPr/>
+        </p:nvSpPr>
+        <p:spPr>
+          <a:xfrm>
+            <a:off x="2818547" y="2850962"/>
+            <a:ext cx="288757" cy="314425"/>
+          </a:xfrm>
+          <a:prstGeom prst="rect">
+            <a:avLst/>
+          </a:prstGeom>
+          <a:noFill/>
+          <a:ln w="38100" cap="flat" cmpd="sng" algn="ctr">
+            <a:solidFill>
+              <a:srgbClr val="FF0000"/>
+            </a:solidFill>
+            <a:prstDash val="solid"/>
+            <a:round/>
+            <a:headEnd type="none" w="med" len="med"/>
+            <a:tailEnd type="none" w="med" len="med"/>
+          </a:ln>
+        </p:spPr>
+        <p:style>
+          <a:lnRef idx="0">
+            <a:scrgbClr r="0" g="0" b="0"/>
+          </a:lnRef>
+          <a:fillRef idx="0">
+            <a:scrgbClr r="0" g="0" b="0"/>
+          </a:fillRef>
+          <a:effectRef idx="0">
+            <a:scrgbClr r="0" g="0" b="0"/>
+          </a:effectRef>
+          <a:fontRef idx="minor">
+            <a:schemeClr val="accent4"/>
+          </a:fontRef>
+        </p:style>
+        <p:txBody>
+          <a:bodyPr rtlCol="0" anchor="ctr"/>
+          <a:lstStyle/>
+          <a:p>
+            <a:pPr algn="ctr"/>
+            <a:endParaRPr lang="en-US" sz="2400"/>
+          </a:p>
+        </p:txBody>
+      </p:sp>
+      <p:sp>
+        <p:nvSpPr>
+          <p:cNvPr id="9" name="Rectangle 8">
+            <a:extLst>
+              <a:ext uri="{FF2B5EF4-FFF2-40B4-BE49-F238E27FC236}">
+                <a16:creationId xmlns:a16="http://schemas.microsoft.com/office/drawing/2014/main" id="{D8452FBC-140E-41F2-9800-93A69AD8A87A}"/>
+              </a:ext>
+            </a:extLst>
+          </p:cNvPr>
+          <p:cNvSpPr/>
+          <p:nvPr/>
+        </p:nvSpPr>
+        <p:spPr>
+          <a:xfrm>
+            <a:off x="5548621" y="2360055"/>
+            <a:ext cx="730288" cy="297007"/>
+          </a:xfrm>
+          <a:prstGeom prst="rect">
+            <a:avLst/>
+          </a:prstGeom>
+          <a:noFill/>
+          <a:ln w="38100" cap="flat" cmpd="sng" algn="ctr">
+            <a:solidFill>
+              <a:srgbClr val="FF0000"/>
+            </a:solidFill>
+            <a:prstDash val="solid"/>
+            <a:round/>
+            <a:headEnd type="none" w="med" len="med"/>
+            <a:tailEnd type="none" w="med" len="med"/>
+          </a:ln>
+        </p:spPr>
+        <p:style>
+          <a:lnRef idx="0">
+            <a:scrgbClr r="0" g="0" b="0"/>
+          </a:lnRef>
+          <a:fillRef idx="0">
+            <a:scrgbClr r="0" g="0" b="0"/>
+          </a:fillRef>
+          <a:effectRef idx="0">
+            <a:scrgbClr r="0" g="0" b="0"/>
+          </a:effectRef>
+          <a:fontRef idx="minor">
+            <a:schemeClr val="accent4"/>
+          </a:fontRef>
+        </p:style>
+        <p:txBody>
+          <a:bodyPr rtlCol="0" anchor="ctr"/>
+          <a:lstStyle/>
+          <a:p>
+            <a:pPr algn="ctr"/>
+            <a:endParaRPr lang="en-US" sz="2400"/>
+          </a:p>
+        </p:txBody>
+      </p:sp>
+      <p:cxnSp>
+        <p:nvCxnSpPr>
+          <p:cNvPr id="14" name="Connector: Elbow 13">
+            <a:extLst>
+              <a:ext uri="{FF2B5EF4-FFF2-40B4-BE49-F238E27FC236}">
+                <a16:creationId xmlns:a16="http://schemas.microsoft.com/office/drawing/2014/main" id="{CBE9F361-7C9C-4C56-B367-EEEC4E87221F}"/>
+              </a:ext>
+            </a:extLst>
+          </p:cNvPr>
+          <p:cNvCxnSpPr>
+            <a:cxnSpLocks/>
+            <a:endCxn id="9" idx="2"/>
+          </p:cNvCxnSpPr>
+          <p:nvPr/>
+        </p:nvCxnSpPr>
+        <p:spPr>
+          <a:xfrm flipV="1">
+            <a:off x="1196357" y="2657062"/>
+            <a:ext cx="4717409" cy="1652685"/>
+          </a:xfrm>
+          <a:prstGeom prst="bentConnector2">
+            <a:avLst/>
+          </a:prstGeom>
+          <a:ln>
+            <a:solidFill>
+              <a:srgbClr val="92D050"/>
+            </a:solidFill>
+            <a:tailEnd type="triangle"/>
+          </a:ln>
+        </p:spPr>
+        <p:style>
+          <a:lnRef idx="3">
+            <a:schemeClr val="accent1"/>
+          </a:lnRef>
+          <a:fillRef idx="0">
+            <a:schemeClr val="accent1"/>
+          </a:fillRef>
+          <a:effectRef idx="2">
+            <a:schemeClr val="accent1"/>
+          </a:effectRef>
+          <a:fontRef idx="minor">
+            <a:schemeClr val="tx1"/>
+          </a:fontRef>
+        </p:style>
+      </p:cxnSp>
+      <p:cxnSp>
+        <p:nvCxnSpPr>
+          <p:cNvPr id="15" name="Connector: Elbow 14">
+            <a:extLst>
+              <a:ext uri="{FF2B5EF4-FFF2-40B4-BE49-F238E27FC236}">
+                <a16:creationId xmlns:a16="http://schemas.microsoft.com/office/drawing/2014/main" id="{0675B314-D4D1-4762-B5C6-78CBAF11C7D7}"/>
+              </a:ext>
+            </a:extLst>
+          </p:cNvPr>
+          <p:cNvCxnSpPr>
+            <a:cxnSpLocks/>
+            <a:endCxn id="5" idx="2"/>
+          </p:cNvCxnSpPr>
+          <p:nvPr/>
+        </p:nvCxnSpPr>
+        <p:spPr>
+          <a:xfrm flipV="1">
+            <a:off x="2278381" y="3165387"/>
+            <a:ext cx="684545" cy="432579"/>
+          </a:xfrm>
+          <a:prstGeom prst="bentConnector2">
+            <a:avLst/>
+          </a:prstGeom>
+          <a:ln>
+            <a:solidFill>
+              <a:srgbClr val="92D050"/>
+            </a:solidFill>
+            <a:tailEnd type="triangle"/>
+          </a:ln>
+        </p:spPr>
+        <p:style>
+          <a:lnRef idx="3">
+            <a:schemeClr val="accent1"/>
+          </a:lnRef>
+          <a:fillRef idx="0">
+            <a:schemeClr val="accent1"/>
+          </a:fillRef>
+          <a:effectRef idx="2">
+            <a:schemeClr val="accent1"/>
+          </a:effectRef>
+          <a:fontRef idx="minor">
+            <a:schemeClr val="tx1"/>
+          </a:fontRef>
+        </p:style>
+      </p:cxnSp>
+      <p:cxnSp>
+        <p:nvCxnSpPr>
+          <p:cNvPr id="20" name="Connector: Elbow 19">
+            <a:extLst>
+              <a:ext uri="{FF2B5EF4-FFF2-40B4-BE49-F238E27FC236}">
+                <a16:creationId xmlns:a16="http://schemas.microsoft.com/office/drawing/2014/main" id="{700A79EC-1982-473F-B11C-B867EC9EAF3A}"/>
+              </a:ext>
+            </a:extLst>
+          </p:cNvPr>
+          <p:cNvCxnSpPr>
+            <a:cxnSpLocks/>
+            <a:endCxn id="7" idx="2"/>
+          </p:cNvCxnSpPr>
+          <p:nvPr/>
+        </p:nvCxnSpPr>
+        <p:spPr>
+          <a:xfrm flipV="1">
+            <a:off x="1843518" y="1954446"/>
+            <a:ext cx="2060580" cy="1988076"/>
+          </a:xfrm>
+          <a:prstGeom prst="bentConnector2">
+            <a:avLst/>
+          </a:prstGeom>
+          <a:ln>
+            <a:solidFill>
+              <a:srgbClr val="92D050"/>
+            </a:solidFill>
+            <a:tailEnd type="triangle"/>
+          </a:ln>
+        </p:spPr>
+        <p:style>
+          <a:lnRef idx="3">
+            <a:schemeClr val="accent1"/>
+          </a:lnRef>
+          <a:fillRef idx="0">
+            <a:schemeClr val="accent1"/>
+          </a:fillRef>
+          <a:effectRef idx="2">
+            <a:schemeClr val="accent1"/>
+          </a:effectRef>
+          <a:fontRef idx="minor">
+            <a:schemeClr val="tx1"/>
+          </a:fontRef>
+        </p:style>
+      </p:cxnSp>
+      <p:sp>
+        <p:nvSpPr>
+          <p:cNvPr id="35" name="TextBox 34">
+            <a:extLst>
+              <a:ext uri="{FF2B5EF4-FFF2-40B4-BE49-F238E27FC236}">
+                <a16:creationId xmlns:a16="http://schemas.microsoft.com/office/drawing/2014/main" id="{9DC93C5A-E840-4951-B4D1-C6F9198C15E6}"/>
+              </a:ext>
+            </a:extLst>
+          </p:cNvPr>
+          <p:cNvSpPr txBox="1"/>
+          <p:nvPr/>
+        </p:nvSpPr>
+        <p:spPr>
+          <a:xfrm>
+            <a:off x="87091" y="3315600"/>
+            <a:ext cx="1999265" cy="461665"/>
+          </a:xfrm>
+          <a:prstGeom prst="rect">
+            <a:avLst/>
+          </a:prstGeom>
+          <a:noFill/>
+        </p:spPr>
+        <p:txBody>
+          <a:bodyPr wrap="none" rtlCol="0">
+            <a:spAutoFit/>
+          </a:bodyPr>
+          <a:lstStyle/>
+          <a:p>
+            <a:r>
+              <a:rPr lang="en-US" sz="2400" b="1" dirty="0">
+                <a:solidFill>
+                  <a:srgbClr val="FF0000"/>
+                </a:solidFill>
+              </a:rPr>
+              <a:t>1 </a:t>
+            </a:r>
+            <a:r>
+              <a:rPr lang="th-TH" sz="1467" b="1" dirty="0"/>
+              <a:t>คล</a:t>
+            </a:r>
+            <a:r>
+              <a:rPr lang="th-TH" sz="1467" b="1" dirty="0" err="1"/>
+              <a:t>ิ๊ก</a:t>
+            </a:r>
+            <a:r>
+              <a:rPr lang="en-US" sz="1467" b="1" dirty="0"/>
+              <a:t> Icon Extensions  </a:t>
+            </a:r>
+            <a:endParaRPr lang="en-US" sz="2400" b="1" dirty="0"/>
+          </a:p>
+        </p:txBody>
+      </p:sp>
+      <p:sp>
+        <p:nvSpPr>
+          <p:cNvPr id="37" name="TextBox 36">
+            <a:extLst>
+              <a:ext uri="{FF2B5EF4-FFF2-40B4-BE49-F238E27FC236}">
+                <a16:creationId xmlns:a16="http://schemas.microsoft.com/office/drawing/2014/main" id="{B1F62E6D-556D-45FB-A5CA-30D593037E5A}"/>
+              </a:ext>
+            </a:extLst>
+          </p:cNvPr>
+          <p:cNvSpPr txBox="1"/>
+          <p:nvPr/>
+        </p:nvSpPr>
+        <p:spPr>
+          <a:xfrm>
+            <a:off x="97835" y="3653465"/>
+            <a:ext cx="1435521" cy="461665"/>
+          </a:xfrm>
+          <a:prstGeom prst="rect">
+            <a:avLst/>
+          </a:prstGeom>
+          <a:noFill/>
+        </p:spPr>
+        <p:txBody>
+          <a:bodyPr wrap="none" rtlCol="0">
+            <a:spAutoFit/>
+          </a:bodyPr>
+          <a:lstStyle/>
+          <a:p>
+            <a:r>
+              <a:rPr lang="en-US" sz="2400" b="1" dirty="0">
+                <a:solidFill>
+                  <a:srgbClr val="FF0000"/>
+                </a:solidFill>
+              </a:rPr>
+              <a:t>2</a:t>
+            </a:r>
+            <a:r>
+              <a:rPr lang="th-TH" sz="2400" b="1" dirty="0">
+                <a:solidFill>
+                  <a:srgbClr val="FF0000"/>
+                </a:solidFill>
+              </a:rPr>
+              <a:t> </a:t>
+            </a:r>
+            <a:r>
+              <a:rPr lang="en-US" sz="1467" b="1" dirty="0"/>
+              <a:t>Search Name</a:t>
+            </a:r>
+            <a:endParaRPr lang="en-US" sz="2400" b="1" dirty="0"/>
+          </a:p>
+        </p:txBody>
+      </p:sp>
+      <p:sp>
+        <p:nvSpPr>
+          <p:cNvPr id="38" name="TextBox 37">
+            <a:extLst>
+              <a:ext uri="{FF2B5EF4-FFF2-40B4-BE49-F238E27FC236}">
+                <a16:creationId xmlns:a16="http://schemas.microsoft.com/office/drawing/2014/main" id="{78253D5F-5360-4A11-B10F-32A71E766E06}"/>
+              </a:ext>
+            </a:extLst>
+          </p:cNvPr>
+          <p:cNvSpPr txBox="1"/>
+          <p:nvPr/>
+        </p:nvSpPr>
+        <p:spPr>
+          <a:xfrm>
+            <a:off x="101380" y="4024782"/>
+            <a:ext cx="882806" cy="461665"/>
+          </a:xfrm>
+          <a:prstGeom prst="rect">
+            <a:avLst/>
+          </a:prstGeom>
+          <a:noFill/>
+        </p:spPr>
+        <p:txBody>
+          <a:bodyPr wrap="none" rtlCol="0">
+            <a:spAutoFit/>
+          </a:bodyPr>
+          <a:lstStyle/>
+          <a:p>
+            <a:r>
+              <a:rPr lang="en-US" sz="2400" b="1" dirty="0">
+                <a:solidFill>
+                  <a:srgbClr val="FF0000"/>
+                </a:solidFill>
+              </a:rPr>
+              <a:t>3 </a:t>
+            </a:r>
+            <a:r>
+              <a:rPr lang="en-US" sz="1467" b="1" dirty="0"/>
+              <a:t>Install</a:t>
+            </a:r>
+            <a:endParaRPr lang="en-US" sz="2400" b="1" dirty="0"/>
+          </a:p>
+        </p:txBody>
+      </p:sp>
+      <p:sp>
+        <p:nvSpPr>
+          <p:cNvPr id="40" name="Title 1">
+            <a:extLst>
+              <a:ext uri="{FF2B5EF4-FFF2-40B4-BE49-F238E27FC236}">
+                <a16:creationId xmlns:a16="http://schemas.microsoft.com/office/drawing/2014/main" id="{BA778E92-6049-4E38-BCE6-1508C4881362}"/>
+              </a:ext>
+            </a:extLst>
+          </p:cNvPr>
+          <p:cNvSpPr>
+            <a:spLocks noGrp="1"/>
+          </p:cNvSpPr>
+          <p:nvPr>
+            <p:ph type="title"/>
+          </p:nvPr>
+        </p:nvSpPr>
+        <p:spPr>
+          <a:xfrm>
+            <a:off x="5020785" y="347749"/>
+            <a:ext cx="4309959" cy="755204"/>
+          </a:xfrm>
+        </p:spPr>
+        <p:txBody>
+          <a:bodyPr/>
+          <a:lstStyle/>
+          <a:p>
+            <a:r>
+              <a:rPr lang="en-US" dirty="0">
+                <a:latin typeface="+mn-lt"/>
+              </a:rPr>
+              <a:t>Install Extensions </a:t>
+            </a:r>
+          </a:p>
+        </p:txBody>
+      </p:sp>
+    </p:spTree>
+    <p:extLst>
+      <p:ext uri="{BB962C8B-B14F-4D97-AF65-F5344CB8AC3E}">
+        <p14:creationId xmlns:p14="http://schemas.microsoft.com/office/powerpoint/2010/main" val="1633510752"/>
       </p:ext>
     </p:extLst>
   </p:cSld>

--- a/file/เตรียมพร้อมก่อนWorkshop.pptx
+++ b/file/เตรียมพร้อมก่อนWorkshop.pptx
@@ -5,13 +5,12 @@
     <p:sldMasterId id="2147483648" r:id="rId1"/>
   </p:sldMasterIdLst>
   <p:notesMasterIdLst>
-    <p:notesMasterId r:id="rId6"/>
+    <p:notesMasterId r:id="rId5"/>
   </p:notesMasterIdLst>
   <p:sldIdLst>
     <p:sldId id="284" r:id="rId2"/>
     <p:sldId id="355" r:id="rId3"/>
     <p:sldId id="353" r:id="rId4"/>
-    <p:sldId id="354" r:id="rId5"/>
   </p:sldIdLst>
   <p:sldSz cx="12192000" cy="6858000"/>
   <p:notesSz cx="6858000" cy="9144000"/>
@@ -200,7 +199,7 @@
           <a:p>
             <a:fld id="{5E05A1BD-F34F-4F97-8F9E-74DB66718630}" type="datetimeFigureOut">
               <a:rPr lang="en-US" smtClean="0"/>
-              <a:t>6/18/2020</a:t>
+              <a:t>6/19/2020</a:t>
             </a:fld>
             <a:endParaRPr lang="en-US"/>
           </a:p>
@@ -718,7 +717,7 @@
           <a:p>
             <a:fld id="{AD9802A6-23FD-4249-8265-821B6E297857}" type="datetimeFigureOut">
               <a:rPr lang="en-US" smtClean="0"/>
-              <a:t>6/18/2020</a:t>
+              <a:t>6/19/2020</a:t>
             </a:fld>
             <a:endParaRPr lang="en-US"/>
           </a:p>
@@ -916,7 +915,7 @@
           <a:p>
             <a:fld id="{AD9802A6-23FD-4249-8265-821B6E297857}" type="datetimeFigureOut">
               <a:rPr lang="en-US" smtClean="0"/>
-              <a:t>6/18/2020</a:t>
+              <a:t>6/19/2020</a:t>
             </a:fld>
             <a:endParaRPr lang="en-US"/>
           </a:p>
@@ -1124,7 +1123,7 @@
           <a:p>
             <a:fld id="{AD9802A6-23FD-4249-8265-821B6E297857}" type="datetimeFigureOut">
               <a:rPr lang="en-US" smtClean="0"/>
-              <a:t>6/18/2020</a:t>
+              <a:t>6/19/2020</a:t>
             </a:fld>
             <a:endParaRPr lang="en-US"/>
           </a:p>
@@ -2851,801 +2850,6 @@
 </p:sldLayout>
 </file>
 
-<file path=ppt/slideLayouts/slideLayout14.xml><?xml version="1.0" encoding="utf-8"?>
-<p:sldLayout xmlns:a="http://schemas.openxmlformats.org/drawingml/2006/main" xmlns:r="http://schemas.openxmlformats.org/officeDocument/2006/relationships" xmlns:p="http://schemas.openxmlformats.org/presentationml/2006/main" matchingName="Title + 1 column" type="tx">
-  <p:cSld name="Title + 1 column">
-    <p:spTree>
-      <p:nvGrpSpPr>
-        <p:cNvPr id="1" name="Shape 54"/>
-        <p:cNvGrpSpPr/>
-        <p:nvPr/>
-      </p:nvGrpSpPr>
-      <p:grpSpPr>
-        <a:xfrm>
-          <a:off x="0" y="0"/>
-          <a:ext cx="0" cy="0"/>
-          <a:chOff x="0" y="0"/>
-          <a:chExt cx="0" cy="0"/>
-        </a:xfrm>
-      </p:grpSpPr>
-      <p:grpSp>
-        <p:nvGrpSpPr>
-          <p:cNvPr id="55" name="Google Shape;55;p5"/>
-          <p:cNvGrpSpPr/>
-          <p:nvPr/>
-        </p:nvGrpSpPr>
-        <p:grpSpPr>
-          <a:xfrm>
-            <a:off x="8229600" y="3541492"/>
-            <a:ext cx="3962339" cy="3848201"/>
-            <a:chOff x="6172200" y="2656118"/>
-            <a:chExt cx="2971754" cy="2886151"/>
-          </a:xfrm>
-        </p:grpSpPr>
-        <p:sp>
-          <p:nvSpPr>
-            <p:cNvPr id="56" name="Google Shape;56;p5"/>
-            <p:cNvSpPr/>
-            <p:nvPr/>
-          </p:nvSpPr>
-          <p:spPr>
-            <a:xfrm rot="9208626" flipH="1">
-              <a:off x="6704904" y="4110434"/>
-              <a:ext cx="484232" cy="1204006"/>
-            </a:xfrm>
-            <a:prstGeom prst="flowChartManualInput">
-              <a:avLst/>
-            </a:prstGeom>
-            <a:solidFill>
-              <a:srgbClr val="4BB5D9"/>
-            </a:solidFill>
-            <a:ln>
-              <a:noFill/>
-            </a:ln>
-          </p:spPr>
-          <p:txBody>
-            <a:bodyPr spcFirstLastPara="1" wrap="square" lIns="91425" tIns="91425" rIns="91425" bIns="91425" anchor="ctr" anchorCtr="0">
-              <a:noAutofit/>
-            </a:bodyPr>
-            <a:lstStyle/>
-            <a:p>
-              <a:pPr marL="0" lvl="0" indent="0" algn="l" rtl="0">
-                <a:spcBef>
-                  <a:spcPts val="0"/>
-                </a:spcBef>
-                <a:spcAft>
-                  <a:spcPts val="0"/>
-                </a:spcAft>
-                <a:buNone/>
-              </a:pPr>
-              <a:endParaRPr sz="2400"/>
-            </a:p>
-          </p:txBody>
-        </p:sp>
-        <p:sp>
-          <p:nvSpPr>
-            <p:cNvPr id="57" name="Google Shape;57;p5"/>
-            <p:cNvSpPr/>
-            <p:nvPr/>
-          </p:nvSpPr>
-          <p:spPr>
-            <a:xfrm rot="9208633" flipH="1">
-              <a:off x="7804300" y="3279013"/>
-              <a:ext cx="877624" cy="2182136"/>
-            </a:xfrm>
-            <a:prstGeom prst="flowChartManualInput">
-              <a:avLst/>
-            </a:prstGeom>
-            <a:solidFill>
-              <a:srgbClr val="81D1EC"/>
-            </a:solidFill>
-            <a:ln>
-              <a:noFill/>
-            </a:ln>
-          </p:spPr>
-          <p:txBody>
-            <a:bodyPr spcFirstLastPara="1" wrap="square" lIns="91425" tIns="91425" rIns="91425" bIns="91425" anchor="ctr" anchorCtr="0">
-              <a:noAutofit/>
-            </a:bodyPr>
-            <a:lstStyle/>
-            <a:p>
-              <a:pPr marL="0" lvl="0" indent="0" algn="l" rtl="0">
-                <a:spcBef>
-                  <a:spcPts val="0"/>
-                </a:spcBef>
-                <a:spcAft>
-                  <a:spcPts val="0"/>
-                </a:spcAft>
-                <a:buNone/>
-              </a:pPr>
-              <a:endParaRPr sz="2400"/>
-            </a:p>
-          </p:txBody>
-        </p:sp>
-        <p:sp>
-          <p:nvSpPr>
-            <p:cNvPr id="58" name="Google Shape;58;p5"/>
-            <p:cNvSpPr/>
-            <p:nvPr/>
-          </p:nvSpPr>
-          <p:spPr>
-            <a:xfrm rot="9208606" flipH="1">
-              <a:off x="7481789" y="4276913"/>
-              <a:ext cx="408796" cy="1016449"/>
-            </a:xfrm>
-            <a:prstGeom prst="flowChartManualInput">
-              <a:avLst/>
-            </a:prstGeom>
-            <a:solidFill>
-              <a:srgbClr val="FF9900"/>
-            </a:solidFill>
-            <a:ln>
-              <a:noFill/>
-            </a:ln>
-          </p:spPr>
-          <p:txBody>
-            <a:bodyPr spcFirstLastPara="1" wrap="square" lIns="91425" tIns="91425" rIns="91425" bIns="91425" anchor="ctr" anchorCtr="0">
-              <a:noAutofit/>
-            </a:bodyPr>
-            <a:lstStyle/>
-            <a:p>
-              <a:pPr marL="0" lvl="0" indent="0" algn="l" rtl="0">
-                <a:spcBef>
-                  <a:spcPts val="0"/>
-                </a:spcBef>
-                <a:spcAft>
-                  <a:spcPts val="0"/>
-                </a:spcAft>
-                <a:buNone/>
-              </a:pPr>
-              <a:endParaRPr sz="2400"/>
-            </a:p>
-          </p:txBody>
-        </p:sp>
-        <p:sp>
-          <p:nvSpPr>
-            <p:cNvPr id="59" name="Google Shape;59;p5"/>
-            <p:cNvSpPr/>
-            <p:nvPr/>
-          </p:nvSpPr>
-          <p:spPr>
-            <a:xfrm rot="9208678" flipH="1">
-              <a:off x="6287617" y="4657701"/>
-              <a:ext cx="229660" cy="571018"/>
-            </a:xfrm>
-            <a:prstGeom prst="flowChartManualInput">
-              <a:avLst/>
-            </a:prstGeom>
-            <a:solidFill>
-              <a:srgbClr val="3796BF"/>
-            </a:solidFill>
-            <a:ln>
-              <a:noFill/>
-            </a:ln>
-          </p:spPr>
-          <p:txBody>
-            <a:bodyPr spcFirstLastPara="1" wrap="square" lIns="91425" tIns="91425" rIns="91425" bIns="91425" anchor="ctr" anchorCtr="0">
-              <a:noAutofit/>
-            </a:bodyPr>
-            <a:lstStyle/>
-            <a:p>
-              <a:pPr marL="0" lvl="0" indent="0" algn="l" rtl="0">
-                <a:spcBef>
-                  <a:spcPts val="0"/>
-                </a:spcBef>
-                <a:spcAft>
-                  <a:spcPts val="0"/>
-                </a:spcAft>
-                <a:buNone/>
-              </a:pPr>
-              <a:endParaRPr sz="2400"/>
-            </a:p>
-          </p:txBody>
-        </p:sp>
-        <p:sp>
-          <p:nvSpPr>
-            <p:cNvPr id="60" name="Google Shape;60;p5"/>
-            <p:cNvSpPr/>
-            <p:nvPr/>
-          </p:nvSpPr>
-          <p:spPr>
-            <a:xfrm>
-              <a:off x="8289303" y="2656118"/>
-              <a:ext cx="854651" cy="1929080"/>
-            </a:xfrm>
-            <a:custGeom>
-              <a:avLst/>
-              <a:gdLst/>
-              <a:ahLst/>
-              <a:cxnLst/>
-              <a:rect l="l" t="t" r="r" b="b"/>
-              <a:pathLst>
-                <a:path w="37596" h="84860" extrusionOk="0">
-                  <a:moveTo>
-                    <a:pt x="19066" y="0"/>
-                  </a:moveTo>
-                  <a:lnTo>
-                    <a:pt x="0" y="9130"/>
-                  </a:lnTo>
-                  <a:lnTo>
-                    <a:pt x="37596" y="84860"/>
-                  </a:lnTo>
-                  <a:lnTo>
-                    <a:pt x="37596" y="37328"/>
-                  </a:lnTo>
-                  <a:close/>
-                </a:path>
-              </a:pathLst>
-            </a:custGeom>
-            <a:solidFill>
-              <a:srgbClr val="3796BF"/>
-            </a:solidFill>
-            <a:ln>
-              <a:noFill/>
-            </a:ln>
-          </p:spPr>
-        </p:sp>
-      </p:grpSp>
-      <p:grpSp>
-        <p:nvGrpSpPr>
-          <p:cNvPr id="61" name="Google Shape;61;p5"/>
-          <p:cNvGrpSpPr/>
-          <p:nvPr/>
-        </p:nvGrpSpPr>
-        <p:grpSpPr>
-          <a:xfrm>
-            <a:off x="-42" y="-304036"/>
-            <a:ext cx="2884748" cy="1796400"/>
-            <a:chOff x="-32" y="-215963"/>
-            <a:chExt cx="2163561" cy="1347300"/>
-          </a:xfrm>
-        </p:grpSpPr>
-        <p:sp>
-          <p:nvSpPr>
-            <p:cNvPr id="62" name="Google Shape;62;p5"/>
-            <p:cNvSpPr/>
-            <p:nvPr/>
-          </p:nvSpPr>
-          <p:spPr>
-            <a:xfrm rot="-1591408" flipH="1">
-              <a:off x="1362169" y="-63166"/>
-              <a:ext cx="205103" cy="509980"/>
-            </a:xfrm>
-            <a:prstGeom prst="flowChartManualInput">
-              <a:avLst/>
-            </a:prstGeom>
-            <a:solidFill>
-              <a:srgbClr val="3796BF"/>
-            </a:solidFill>
-            <a:ln>
-              <a:noFill/>
-            </a:ln>
-          </p:spPr>
-          <p:txBody>
-            <a:bodyPr spcFirstLastPara="1" wrap="square" lIns="91425" tIns="91425" rIns="91425" bIns="91425" anchor="ctr" anchorCtr="0">
-              <a:noAutofit/>
-            </a:bodyPr>
-            <a:lstStyle/>
-            <a:p>
-              <a:pPr marL="0" lvl="0" indent="0" algn="l" rtl="0">
-                <a:spcBef>
-                  <a:spcPts val="0"/>
-                </a:spcBef>
-                <a:spcAft>
-                  <a:spcPts val="0"/>
-                </a:spcAft>
-                <a:buNone/>
-              </a:pPr>
-              <a:endParaRPr sz="2400"/>
-            </a:p>
-          </p:txBody>
-        </p:sp>
-        <p:sp>
-          <p:nvSpPr>
-            <p:cNvPr id="63" name="Google Shape;63;p5"/>
-            <p:cNvSpPr/>
-            <p:nvPr/>
-          </p:nvSpPr>
-          <p:spPr>
-            <a:xfrm rot="-1591371" flipH="1">
-              <a:off x="239463" y="-151890"/>
-              <a:ext cx="434754" cy="1080980"/>
-            </a:xfrm>
-            <a:prstGeom prst="flowChartManualInput">
-              <a:avLst/>
-            </a:prstGeom>
-            <a:solidFill>
-              <a:srgbClr val="FF9900"/>
-            </a:solidFill>
-            <a:ln>
-              <a:noFill/>
-            </a:ln>
-          </p:spPr>
-          <p:txBody>
-            <a:bodyPr spcFirstLastPara="1" wrap="square" lIns="91425" tIns="91425" rIns="91425" bIns="91425" anchor="ctr" anchorCtr="0">
-              <a:noAutofit/>
-            </a:bodyPr>
-            <a:lstStyle/>
-            <a:p>
-              <a:pPr marL="0" lvl="0" indent="0" algn="l" rtl="0">
-                <a:spcBef>
-                  <a:spcPts val="0"/>
-                </a:spcBef>
-                <a:spcAft>
-                  <a:spcPts val="0"/>
-                </a:spcAft>
-                <a:buNone/>
-              </a:pPr>
-              <a:endParaRPr sz="2400"/>
-            </a:p>
-          </p:txBody>
-        </p:sp>
-        <p:sp>
-          <p:nvSpPr>
-            <p:cNvPr id="64" name="Google Shape;64;p5"/>
-            <p:cNvSpPr/>
-            <p:nvPr/>
-          </p:nvSpPr>
-          <p:spPr>
-            <a:xfrm rot="-1591339" flipH="1">
-              <a:off x="892401" y="-169347"/>
-              <a:ext cx="504374" cy="1254067"/>
-            </a:xfrm>
-            <a:prstGeom prst="flowChartManualInput">
-              <a:avLst/>
-            </a:prstGeom>
-            <a:solidFill>
-              <a:srgbClr val="81D1EC"/>
-            </a:solidFill>
-            <a:ln>
-              <a:noFill/>
-            </a:ln>
-          </p:spPr>
-          <p:txBody>
-            <a:bodyPr spcFirstLastPara="1" wrap="square" lIns="91425" tIns="91425" rIns="91425" bIns="91425" anchor="ctr" anchorCtr="0">
-              <a:noAutofit/>
-            </a:bodyPr>
-            <a:lstStyle/>
-            <a:p>
-              <a:pPr marL="0" lvl="0" indent="0" algn="l" rtl="0">
-                <a:spcBef>
-                  <a:spcPts val="0"/>
-                </a:spcBef>
-                <a:spcAft>
-                  <a:spcPts val="0"/>
-                </a:spcAft>
-                <a:buNone/>
-              </a:pPr>
-              <a:endParaRPr sz="2400"/>
-            </a:p>
-          </p:txBody>
-        </p:sp>
-        <p:sp>
-          <p:nvSpPr>
-            <p:cNvPr id="65" name="Google Shape;65;p5"/>
-            <p:cNvSpPr/>
-            <p:nvPr/>
-          </p:nvSpPr>
-          <p:spPr>
-            <a:xfrm rot="-1591322" flipH="1">
-              <a:off x="1818452" y="-76292"/>
-              <a:ext cx="229660" cy="571018"/>
-            </a:xfrm>
-            <a:prstGeom prst="flowChartManualInput">
-              <a:avLst/>
-            </a:prstGeom>
-            <a:solidFill>
-              <a:srgbClr val="4BB5D9"/>
-            </a:solidFill>
-            <a:ln>
-              <a:noFill/>
-            </a:ln>
-          </p:spPr>
-          <p:txBody>
-            <a:bodyPr spcFirstLastPara="1" wrap="square" lIns="91425" tIns="91425" rIns="91425" bIns="91425" anchor="ctr" anchorCtr="0">
-              <a:noAutofit/>
-            </a:bodyPr>
-            <a:lstStyle/>
-            <a:p>
-              <a:pPr marL="0" lvl="0" indent="0" algn="l" rtl="0">
-                <a:spcBef>
-                  <a:spcPts val="0"/>
-                </a:spcBef>
-                <a:spcAft>
-                  <a:spcPts val="0"/>
-                </a:spcAft>
-                <a:buNone/>
-              </a:pPr>
-              <a:endParaRPr sz="2400"/>
-            </a:p>
-          </p:txBody>
-        </p:sp>
-        <p:sp>
-          <p:nvSpPr>
-            <p:cNvPr id="66" name="Google Shape;66;p5"/>
-            <p:cNvSpPr/>
-            <p:nvPr/>
-          </p:nvSpPr>
-          <p:spPr>
-            <a:xfrm rot="10800000">
-              <a:off x="-32" y="70725"/>
-              <a:ext cx="380284" cy="858147"/>
-            </a:xfrm>
-            <a:custGeom>
-              <a:avLst/>
-              <a:gdLst/>
-              <a:ahLst/>
-              <a:cxnLst/>
-              <a:rect l="l" t="t" r="r" b="b"/>
-              <a:pathLst>
-                <a:path w="37596" h="84860" extrusionOk="0">
-                  <a:moveTo>
-                    <a:pt x="19066" y="0"/>
-                  </a:moveTo>
-                  <a:lnTo>
-                    <a:pt x="0" y="9130"/>
-                  </a:lnTo>
-                  <a:lnTo>
-                    <a:pt x="37596" y="84860"/>
-                  </a:lnTo>
-                  <a:lnTo>
-                    <a:pt x="37596" y="37328"/>
-                  </a:lnTo>
-                  <a:close/>
-                </a:path>
-              </a:pathLst>
-            </a:custGeom>
-            <a:solidFill>
-              <a:srgbClr val="4BB5D9"/>
-            </a:solidFill>
-            <a:ln>
-              <a:noFill/>
-            </a:ln>
-          </p:spPr>
-        </p:sp>
-      </p:grpSp>
-      <p:sp>
-        <p:nvSpPr>
-          <p:cNvPr id="67" name="Google Shape;67;p5"/>
-          <p:cNvSpPr txBox="1">
-            <a:spLocks noGrp="1"/>
-          </p:cNvSpPr>
-          <p:nvPr>
-            <p:ph type="title"/>
-          </p:nvPr>
-        </p:nvSpPr>
-        <p:spPr>
-          <a:xfrm>
-            <a:off x="1375233" y="1532967"/>
-            <a:ext cx="7680400" cy="907600"/>
-          </a:xfrm>
-          <a:prstGeom prst="rect">
-            <a:avLst/>
-          </a:prstGeom>
-        </p:spPr>
-        <p:txBody>
-          <a:bodyPr spcFirstLastPara="1" wrap="square" lIns="91425" tIns="91425" rIns="91425" bIns="91425" anchor="b" anchorCtr="0">
-            <a:noAutofit/>
-          </a:bodyPr>
-          <a:lstStyle>
-            <a:lvl1pPr lvl="0">
-              <a:spcBef>
-                <a:spcPts val="0"/>
-              </a:spcBef>
-              <a:spcAft>
-                <a:spcPts val="0"/>
-              </a:spcAft>
-              <a:buSzPts val="3000"/>
-              <a:buNone/>
-              <a:defRPr/>
-            </a:lvl1pPr>
-            <a:lvl2pPr lvl="1">
-              <a:spcBef>
-                <a:spcPts val="0"/>
-              </a:spcBef>
-              <a:spcAft>
-                <a:spcPts val="0"/>
-              </a:spcAft>
-              <a:buSzPts val="3000"/>
-              <a:buNone/>
-              <a:defRPr/>
-            </a:lvl2pPr>
-            <a:lvl3pPr lvl="2">
-              <a:spcBef>
-                <a:spcPts val="0"/>
-              </a:spcBef>
-              <a:spcAft>
-                <a:spcPts val="0"/>
-              </a:spcAft>
-              <a:buSzPts val="3000"/>
-              <a:buNone/>
-              <a:defRPr/>
-            </a:lvl3pPr>
-            <a:lvl4pPr lvl="3">
-              <a:spcBef>
-                <a:spcPts val="0"/>
-              </a:spcBef>
-              <a:spcAft>
-                <a:spcPts val="0"/>
-              </a:spcAft>
-              <a:buSzPts val="3000"/>
-              <a:buNone/>
-              <a:defRPr/>
-            </a:lvl4pPr>
-            <a:lvl5pPr lvl="4">
-              <a:spcBef>
-                <a:spcPts val="0"/>
-              </a:spcBef>
-              <a:spcAft>
-                <a:spcPts val="0"/>
-              </a:spcAft>
-              <a:buSzPts val="3000"/>
-              <a:buNone/>
-              <a:defRPr/>
-            </a:lvl5pPr>
-            <a:lvl6pPr lvl="5">
-              <a:spcBef>
-                <a:spcPts val="0"/>
-              </a:spcBef>
-              <a:spcAft>
-                <a:spcPts val="0"/>
-              </a:spcAft>
-              <a:buSzPts val="3000"/>
-              <a:buNone/>
-              <a:defRPr/>
-            </a:lvl6pPr>
-            <a:lvl7pPr lvl="6">
-              <a:spcBef>
-                <a:spcPts val="0"/>
-              </a:spcBef>
-              <a:spcAft>
-                <a:spcPts val="0"/>
-              </a:spcAft>
-              <a:buSzPts val="3000"/>
-              <a:buNone/>
-              <a:defRPr/>
-            </a:lvl7pPr>
-            <a:lvl8pPr lvl="7">
-              <a:spcBef>
-                <a:spcPts val="0"/>
-              </a:spcBef>
-              <a:spcAft>
-                <a:spcPts val="0"/>
-              </a:spcAft>
-              <a:buSzPts val="3000"/>
-              <a:buNone/>
-              <a:defRPr/>
-            </a:lvl8pPr>
-            <a:lvl9pPr lvl="8">
-              <a:spcBef>
-                <a:spcPts val="0"/>
-              </a:spcBef>
-              <a:spcAft>
-                <a:spcPts val="0"/>
-              </a:spcAft>
-              <a:buSzPts val="3000"/>
-              <a:buNone/>
-              <a:defRPr/>
-            </a:lvl9pPr>
-          </a:lstStyle>
-          <a:p>
-            <a:endParaRPr/>
-          </a:p>
-        </p:txBody>
-      </p:sp>
-      <p:sp>
-        <p:nvSpPr>
-          <p:cNvPr id="68" name="Google Shape;68;p5"/>
-          <p:cNvSpPr txBox="1">
-            <a:spLocks noGrp="1"/>
-          </p:cNvSpPr>
-          <p:nvPr>
-            <p:ph type="body" idx="1"/>
-          </p:nvPr>
-        </p:nvSpPr>
-        <p:spPr>
-          <a:xfrm>
-            <a:off x="1375233" y="2369500"/>
-            <a:ext cx="7680400" cy="3361600"/>
-          </a:xfrm>
-          <a:prstGeom prst="rect">
-            <a:avLst/>
-          </a:prstGeom>
-        </p:spPr>
-        <p:txBody>
-          <a:bodyPr spcFirstLastPara="1" wrap="square" lIns="91425" tIns="91425" rIns="91425" bIns="91425" anchor="t" anchorCtr="0">
-            <a:noAutofit/>
-          </a:bodyPr>
-          <a:lstStyle>
-            <a:lvl1pPr marL="609585" lvl="0" indent="-474121">
-              <a:spcBef>
-                <a:spcPts val="800"/>
-              </a:spcBef>
-              <a:spcAft>
-                <a:spcPts val="0"/>
-              </a:spcAft>
-              <a:buSzPts val="2000"/>
-              <a:buChar char="»"/>
-              <a:defRPr/>
-            </a:lvl1pPr>
-            <a:lvl2pPr marL="1219170" lvl="1" indent="-474121">
-              <a:spcBef>
-                <a:spcPts val="0"/>
-              </a:spcBef>
-              <a:spcAft>
-                <a:spcPts val="0"/>
-              </a:spcAft>
-              <a:buSzPts val="2000"/>
-              <a:buChar char="⋄"/>
-              <a:defRPr/>
-            </a:lvl2pPr>
-            <a:lvl3pPr marL="1828754" lvl="2" indent="-474121">
-              <a:spcBef>
-                <a:spcPts val="0"/>
-              </a:spcBef>
-              <a:spcAft>
-                <a:spcPts val="0"/>
-              </a:spcAft>
-              <a:buSzPts val="2000"/>
-              <a:buChar char="⋄"/>
-              <a:defRPr/>
-            </a:lvl3pPr>
-            <a:lvl4pPr marL="2438339" lvl="3" indent="-474121">
-              <a:spcBef>
-                <a:spcPts val="0"/>
-              </a:spcBef>
-              <a:spcAft>
-                <a:spcPts val="0"/>
-              </a:spcAft>
-              <a:buSzPts val="2000"/>
-              <a:buChar char="⋄"/>
-              <a:defRPr/>
-            </a:lvl4pPr>
-            <a:lvl5pPr marL="3047924" lvl="4" indent="-474121">
-              <a:spcBef>
-                <a:spcPts val="0"/>
-              </a:spcBef>
-              <a:spcAft>
-                <a:spcPts val="0"/>
-              </a:spcAft>
-              <a:buSzPts val="2000"/>
-              <a:buChar char="⋄"/>
-              <a:defRPr/>
-            </a:lvl5pPr>
-            <a:lvl6pPr marL="3657509" lvl="5" indent="-474121">
-              <a:spcBef>
-                <a:spcPts val="0"/>
-              </a:spcBef>
-              <a:spcAft>
-                <a:spcPts val="0"/>
-              </a:spcAft>
-              <a:buSzPts val="2000"/>
-              <a:buChar char="⋄"/>
-              <a:defRPr/>
-            </a:lvl6pPr>
-            <a:lvl7pPr marL="4267093" lvl="6" indent="-474121">
-              <a:spcBef>
-                <a:spcPts val="0"/>
-              </a:spcBef>
-              <a:spcAft>
-                <a:spcPts val="0"/>
-              </a:spcAft>
-              <a:buSzPts val="2000"/>
-              <a:buChar char="●"/>
-              <a:defRPr/>
-            </a:lvl7pPr>
-            <a:lvl8pPr marL="4876678" lvl="7" indent="-474121">
-              <a:spcBef>
-                <a:spcPts val="0"/>
-              </a:spcBef>
-              <a:spcAft>
-                <a:spcPts val="0"/>
-              </a:spcAft>
-              <a:buSzPts val="2000"/>
-              <a:buChar char="○"/>
-              <a:defRPr/>
-            </a:lvl8pPr>
-            <a:lvl9pPr marL="5486263" lvl="8" indent="-474121">
-              <a:spcBef>
-                <a:spcPts val="0"/>
-              </a:spcBef>
-              <a:spcAft>
-                <a:spcPts val="0"/>
-              </a:spcAft>
-              <a:buSzPts val="2000"/>
-              <a:buChar char="■"/>
-              <a:defRPr/>
-            </a:lvl9pPr>
-          </a:lstStyle>
-          <a:p>
-            <a:endParaRPr/>
-          </a:p>
-        </p:txBody>
-      </p:sp>
-      <p:sp>
-        <p:nvSpPr>
-          <p:cNvPr id="69" name="Google Shape;69;p5"/>
-          <p:cNvSpPr txBox="1">
-            <a:spLocks noGrp="1"/>
-          </p:cNvSpPr>
-          <p:nvPr>
-            <p:ph type="sldNum" idx="12"/>
-          </p:nvPr>
-        </p:nvSpPr>
-        <p:spPr>
-          <a:xfrm>
-            <a:off x="11409045" y="1"/>
-            <a:ext cx="731600" cy="524800"/>
-          </a:xfrm>
-          <a:prstGeom prst="rect">
-            <a:avLst/>
-          </a:prstGeom>
-        </p:spPr>
-        <p:txBody>
-          <a:bodyPr spcFirstLastPara="1" wrap="square" lIns="91425" tIns="91425" rIns="91425" bIns="91425" anchor="t" anchorCtr="0">
-            <a:noAutofit/>
-          </a:bodyPr>
-          <a:lstStyle>
-            <a:lvl1pPr lvl="0">
-              <a:buNone/>
-              <a:defRPr/>
-            </a:lvl1pPr>
-            <a:lvl2pPr lvl="1">
-              <a:buNone/>
-              <a:defRPr/>
-            </a:lvl2pPr>
-            <a:lvl3pPr lvl="2">
-              <a:buNone/>
-              <a:defRPr/>
-            </a:lvl3pPr>
-            <a:lvl4pPr lvl="3">
-              <a:buNone/>
-              <a:defRPr/>
-            </a:lvl4pPr>
-            <a:lvl5pPr lvl="4">
-              <a:buNone/>
-              <a:defRPr/>
-            </a:lvl5pPr>
-            <a:lvl6pPr lvl="5">
-              <a:buNone/>
-              <a:defRPr/>
-            </a:lvl6pPr>
-            <a:lvl7pPr lvl="6">
-              <a:buNone/>
-              <a:defRPr/>
-            </a:lvl7pPr>
-            <a:lvl8pPr lvl="7">
-              <a:buNone/>
-              <a:defRPr/>
-            </a:lvl8pPr>
-            <a:lvl9pPr lvl="8">
-              <a:buNone/>
-              <a:defRPr/>
-            </a:lvl9pPr>
-          </a:lstStyle>
-          <a:p>
-            <a:fld id="{00000000-1234-1234-1234-123412341234}" type="slidenum">
-              <a:rPr lang="en" smtClean="0"/>
-              <a:pPr/>
-              <a:t>‹#›</a:t>
-            </a:fld>
-            <a:endParaRPr lang="en"/>
-          </a:p>
-        </p:txBody>
-      </p:sp>
-    </p:spTree>
-    <p:extLst>
-      <p:ext uri="{BB962C8B-B14F-4D97-AF65-F5344CB8AC3E}">
-        <p14:creationId xmlns:p14="http://schemas.microsoft.com/office/powerpoint/2010/main" val="2077044045"/>
-      </p:ext>
-    </p:extLst>
-  </p:cSld>
-  <p:clrMapOvr>
-    <a:masterClrMapping/>
-  </p:clrMapOvr>
-</p:sldLayout>
-</file>
-
 <file path=ppt/slideLayouts/slideLayout2.xml><?xml version="1.0" encoding="utf-8"?>
 <p:sldLayout xmlns:a="http://schemas.openxmlformats.org/drawingml/2006/main" xmlns:r="http://schemas.openxmlformats.org/officeDocument/2006/relationships" xmlns:p="http://schemas.openxmlformats.org/presentationml/2006/main" type="obj" preserve="1">
   <p:cSld name="Title and Content">
@@ -3771,7 +2975,7 @@
           <a:p>
             <a:fld id="{AD9802A6-23FD-4249-8265-821B6E297857}" type="datetimeFigureOut">
               <a:rPr lang="en-US" smtClean="0"/>
-              <a:t>6/18/2020</a:t>
+              <a:t>6/19/2020</a:t>
             </a:fld>
             <a:endParaRPr lang="en-US"/>
           </a:p>
@@ -4046,7 +3250,7 @@
           <a:p>
             <a:fld id="{AD9802A6-23FD-4249-8265-821B6E297857}" type="datetimeFigureOut">
               <a:rPr lang="en-US" smtClean="0"/>
-              <a:t>6/18/2020</a:t>
+              <a:t>6/19/2020</a:t>
             </a:fld>
             <a:endParaRPr lang="en-US"/>
           </a:p>
@@ -4311,7 +3515,7 @@
           <a:p>
             <a:fld id="{AD9802A6-23FD-4249-8265-821B6E297857}" type="datetimeFigureOut">
               <a:rPr lang="en-US" smtClean="0"/>
-              <a:t>6/18/2020</a:t>
+              <a:t>6/19/2020</a:t>
             </a:fld>
             <a:endParaRPr lang="en-US"/>
           </a:p>
@@ -4723,7 +3927,7 @@
           <a:p>
             <a:fld id="{AD9802A6-23FD-4249-8265-821B6E297857}" type="datetimeFigureOut">
               <a:rPr lang="en-US" smtClean="0"/>
-              <a:t>6/18/2020</a:t>
+              <a:t>6/19/2020</a:t>
             </a:fld>
             <a:endParaRPr lang="en-US"/>
           </a:p>
@@ -4864,7 +4068,7 @@
           <a:p>
             <a:fld id="{AD9802A6-23FD-4249-8265-821B6E297857}" type="datetimeFigureOut">
               <a:rPr lang="en-US" smtClean="0"/>
-              <a:t>6/18/2020</a:t>
+              <a:t>6/19/2020</a:t>
             </a:fld>
             <a:endParaRPr lang="en-US"/>
           </a:p>
@@ -4977,7 +4181,7 @@
           <a:p>
             <a:fld id="{AD9802A6-23FD-4249-8265-821B6E297857}" type="datetimeFigureOut">
               <a:rPr lang="en-US" smtClean="0"/>
-              <a:t>6/18/2020</a:t>
+              <a:t>6/19/2020</a:t>
             </a:fld>
             <a:endParaRPr lang="en-US"/>
           </a:p>
@@ -5288,7 +4492,7 @@
           <a:p>
             <a:fld id="{AD9802A6-23FD-4249-8265-821B6E297857}" type="datetimeFigureOut">
               <a:rPr lang="en-US" smtClean="0"/>
-              <a:t>6/18/2020</a:t>
+              <a:t>6/19/2020</a:t>
             </a:fld>
             <a:endParaRPr lang="en-US"/>
           </a:p>
@@ -5576,7 +4780,7 @@
           <a:p>
             <a:fld id="{AD9802A6-23FD-4249-8265-821B6E297857}" type="datetimeFigureOut">
               <a:rPr lang="en-US" smtClean="0"/>
-              <a:t>6/18/2020</a:t>
+              <a:t>6/19/2020</a:t>
             </a:fld>
             <a:endParaRPr lang="en-US"/>
           </a:p>
@@ -5817,7 +5021,7 @@
           <a:p>
             <a:fld id="{AD9802A6-23FD-4249-8265-821B6E297857}" type="datetimeFigureOut">
               <a:rPr lang="en-US" smtClean="0"/>
-              <a:t>6/18/2020</a:t>
+              <a:t>6/19/2020</a:t>
             </a:fld>
             <a:endParaRPr lang="en-US"/>
           </a:p>
@@ -5935,7 +5139,6 @@
     <p:sldLayoutId id="2147483659" r:id="rId11"/>
     <p:sldLayoutId id="2147483660" r:id="rId12"/>
     <p:sldLayoutId id="2147483661" r:id="rId13"/>
-    <p:sldLayoutId id="2147483662" r:id="rId14"/>
   </p:sldLayoutIdLst>
   <p:txStyles>
     <p:titleStyle>
@@ -6555,10 +5758,48 @@
               <a:buFont typeface="+mj-lt"/>
               <a:buAutoNum type="arabicPeriod"/>
             </a:pPr>
-            <a:endParaRPr lang="en-US" sz="2400" dirty="0">
-              <a:latin typeface="Angsana New" panose="02020603050405020304" pitchFamily="18" charset="-34"/>
-              <a:cs typeface="Angsana New" panose="02020603050405020304" pitchFamily="18" charset="-34"/>
-            </a:endParaRPr>
+            <a:r>
+              <a:rPr lang="th-TH" sz="2400" dirty="0">
+                <a:latin typeface="Angsana New" panose="02020603050405020304" pitchFamily="18" charset="-34"/>
+                <a:cs typeface="Angsana New" panose="02020603050405020304" pitchFamily="18" charset="-34"/>
+              </a:rPr>
+              <a:t>ทำการ</a:t>
+            </a:r>
+            <a:r>
+              <a:rPr lang="en-US" sz="2400" dirty="0">
+                <a:latin typeface="Angsana New" panose="02020603050405020304" pitchFamily="18" charset="-34"/>
+                <a:cs typeface="Angsana New" panose="02020603050405020304" pitchFamily="18" charset="-34"/>
+              </a:rPr>
+              <a:t> Install Extensions </a:t>
+            </a:r>
+            <a:r>
+              <a:rPr lang="th-TH" sz="2400" dirty="0">
+                <a:latin typeface="Angsana New" panose="02020603050405020304" pitchFamily="18" charset="-34"/>
+                <a:cs typeface="Angsana New" panose="02020603050405020304" pitchFamily="18" charset="-34"/>
+              </a:rPr>
+              <a:t>ชื่อ </a:t>
+            </a:r>
+            <a:r>
+              <a:rPr lang="en-US" sz="2400" dirty="0">
+                <a:latin typeface="Angsana New" panose="02020603050405020304" pitchFamily="18" charset="-34"/>
+                <a:cs typeface="Angsana New" panose="02020603050405020304" pitchFamily="18" charset="-34"/>
+              </a:rPr>
+              <a:t>Prettier - Code formatter </a:t>
+            </a:r>
+            <a:r>
+              <a:rPr lang="th-TH" sz="2400" dirty="0">
+                <a:latin typeface="Angsana New" panose="02020603050405020304" pitchFamily="18" charset="-34"/>
+                <a:cs typeface="Angsana New" panose="02020603050405020304" pitchFamily="18" charset="-34"/>
+              </a:rPr>
+              <a:t>ให้กับ </a:t>
+            </a:r>
+            <a:r>
+              <a:rPr lang="en-US" sz="2400" dirty="0">
+                <a:latin typeface="Angsana New" panose="02020603050405020304" pitchFamily="18" charset="-34"/>
+                <a:cs typeface="Angsana New" panose="02020603050405020304" pitchFamily="18" charset="-34"/>
+              </a:rPr>
+              <a:t>Visual Studio Code</a:t>
+            </a:r>
           </a:p>
           <a:p>
             <a:endParaRPr lang="en-US" sz="2400" dirty="0">
@@ -7111,546 +6352,6 @@
     <p:extLst>
       <p:ext uri="{BB962C8B-B14F-4D97-AF65-F5344CB8AC3E}">
         <p14:creationId xmlns:p14="http://schemas.microsoft.com/office/powerpoint/2010/main" val="3954789312"/>
-      </p:ext>
-    </p:extLst>
-  </p:cSld>
-  <p:clrMapOvr>
-    <a:masterClrMapping/>
-  </p:clrMapOvr>
-</p:sld>
-</file>
-
-<file path=ppt/slides/slide4.xml><?xml version="1.0" encoding="utf-8"?>
-<p:sld xmlns:a="http://schemas.openxmlformats.org/drawingml/2006/main" xmlns:r="http://schemas.openxmlformats.org/officeDocument/2006/relationships" xmlns:p="http://schemas.openxmlformats.org/presentationml/2006/main">
-  <p:cSld>
-    <p:spTree>
-      <p:nvGrpSpPr>
-        <p:cNvPr id="1" name=""/>
-        <p:cNvGrpSpPr/>
-        <p:nvPr/>
-      </p:nvGrpSpPr>
-      <p:grpSpPr>
-        <a:xfrm>
-          <a:off x="0" y="0"/>
-          <a:ext cx="0" cy="0"/>
-          <a:chOff x="0" y="0"/>
-          <a:chExt cx="0" cy="0"/>
-        </a:xfrm>
-      </p:grpSpPr>
-      <p:pic>
-        <p:nvPicPr>
-          <p:cNvPr id="8" name="Picture 7">
-            <a:extLst>
-              <a:ext uri="{FF2B5EF4-FFF2-40B4-BE49-F238E27FC236}">
-                <a16:creationId xmlns:a16="http://schemas.microsoft.com/office/drawing/2014/main" id="{D1F32364-858A-4A79-8365-572D620AC60B}"/>
-              </a:ext>
-            </a:extLst>
-          </p:cNvPr>
-          <p:cNvPicPr>
-            <a:picLocks noChangeAspect="1"/>
-          </p:cNvPicPr>
-          <p:nvPr/>
-        </p:nvPicPr>
-        <p:blipFill>
-          <a:blip r:embed="rId2"/>
-          <a:stretch>
-            <a:fillRect/>
-          </a:stretch>
-        </p:blipFill>
-        <p:spPr>
-          <a:xfrm>
-            <a:off x="2818547" y="1229644"/>
-            <a:ext cx="8590499" cy="5092409"/>
-          </a:xfrm>
-          <a:prstGeom prst="rect">
-            <a:avLst/>
-          </a:prstGeom>
-        </p:spPr>
-      </p:pic>
-      <p:sp>
-        <p:nvSpPr>
-          <p:cNvPr id="7" name="Rectangle 6">
-            <a:extLst>
-              <a:ext uri="{FF2B5EF4-FFF2-40B4-BE49-F238E27FC236}">
-                <a16:creationId xmlns:a16="http://schemas.microsoft.com/office/drawing/2014/main" id="{D9E2D1D0-EBAC-4D05-AEFC-5DCCBDAEEAD1}"/>
-              </a:ext>
-            </a:extLst>
-          </p:cNvPr>
-          <p:cNvSpPr/>
-          <p:nvPr/>
-        </p:nvSpPr>
-        <p:spPr>
-          <a:xfrm>
-            <a:off x="3205196" y="1640021"/>
-            <a:ext cx="1397803" cy="314425"/>
-          </a:xfrm>
-          <a:prstGeom prst="rect">
-            <a:avLst/>
-          </a:prstGeom>
-          <a:noFill/>
-          <a:ln w="38100" cap="flat" cmpd="sng" algn="ctr">
-            <a:solidFill>
-              <a:srgbClr val="FF0000"/>
-            </a:solidFill>
-            <a:prstDash val="solid"/>
-            <a:round/>
-            <a:headEnd type="none" w="med" len="med"/>
-            <a:tailEnd type="none" w="med" len="med"/>
-          </a:ln>
-        </p:spPr>
-        <p:style>
-          <a:lnRef idx="0">
-            <a:scrgbClr r="0" g="0" b="0"/>
-          </a:lnRef>
-          <a:fillRef idx="0">
-            <a:scrgbClr r="0" g="0" b="0"/>
-          </a:fillRef>
-          <a:effectRef idx="0">
-            <a:scrgbClr r="0" g="0" b="0"/>
-          </a:effectRef>
-          <a:fontRef idx="minor">
-            <a:schemeClr val="accent4"/>
-          </a:fontRef>
-        </p:style>
-        <p:txBody>
-          <a:bodyPr rtlCol="0" anchor="ctr"/>
-          <a:lstStyle/>
-          <a:p>
-            <a:pPr algn="ctr"/>
-            <a:endParaRPr lang="en-US" sz="2400"/>
-          </a:p>
-        </p:txBody>
-      </p:sp>
-      <p:sp>
-        <p:nvSpPr>
-          <p:cNvPr id="5" name="Rectangle 4">
-            <a:extLst>
-              <a:ext uri="{FF2B5EF4-FFF2-40B4-BE49-F238E27FC236}">
-                <a16:creationId xmlns:a16="http://schemas.microsoft.com/office/drawing/2014/main" id="{E1CF01A9-2455-40D7-A55C-3105DD69B35D}"/>
-              </a:ext>
-            </a:extLst>
-          </p:cNvPr>
-          <p:cNvSpPr/>
-          <p:nvPr/>
-        </p:nvSpPr>
-        <p:spPr>
-          <a:xfrm>
-            <a:off x="2818547" y="2850962"/>
-            <a:ext cx="288757" cy="314425"/>
-          </a:xfrm>
-          <a:prstGeom prst="rect">
-            <a:avLst/>
-          </a:prstGeom>
-          <a:noFill/>
-          <a:ln w="38100" cap="flat" cmpd="sng" algn="ctr">
-            <a:solidFill>
-              <a:srgbClr val="FF0000"/>
-            </a:solidFill>
-            <a:prstDash val="solid"/>
-            <a:round/>
-            <a:headEnd type="none" w="med" len="med"/>
-            <a:tailEnd type="none" w="med" len="med"/>
-          </a:ln>
-        </p:spPr>
-        <p:style>
-          <a:lnRef idx="0">
-            <a:scrgbClr r="0" g="0" b="0"/>
-          </a:lnRef>
-          <a:fillRef idx="0">
-            <a:scrgbClr r="0" g="0" b="0"/>
-          </a:fillRef>
-          <a:effectRef idx="0">
-            <a:scrgbClr r="0" g="0" b="0"/>
-          </a:effectRef>
-          <a:fontRef idx="minor">
-            <a:schemeClr val="accent4"/>
-          </a:fontRef>
-        </p:style>
-        <p:txBody>
-          <a:bodyPr rtlCol="0" anchor="ctr"/>
-          <a:lstStyle/>
-          <a:p>
-            <a:pPr algn="ctr"/>
-            <a:endParaRPr lang="en-US" sz="2400"/>
-          </a:p>
-        </p:txBody>
-      </p:sp>
-      <p:sp>
-        <p:nvSpPr>
-          <p:cNvPr id="9" name="Rectangle 8">
-            <a:extLst>
-              <a:ext uri="{FF2B5EF4-FFF2-40B4-BE49-F238E27FC236}">
-                <a16:creationId xmlns:a16="http://schemas.microsoft.com/office/drawing/2014/main" id="{D8452FBC-140E-41F2-9800-93A69AD8A87A}"/>
-              </a:ext>
-            </a:extLst>
-          </p:cNvPr>
-          <p:cNvSpPr/>
-          <p:nvPr/>
-        </p:nvSpPr>
-        <p:spPr>
-          <a:xfrm>
-            <a:off x="5548621" y="2360055"/>
-            <a:ext cx="730288" cy="297007"/>
-          </a:xfrm>
-          <a:prstGeom prst="rect">
-            <a:avLst/>
-          </a:prstGeom>
-          <a:noFill/>
-          <a:ln w="38100" cap="flat" cmpd="sng" algn="ctr">
-            <a:solidFill>
-              <a:srgbClr val="FF0000"/>
-            </a:solidFill>
-            <a:prstDash val="solid"/>
-            <a:round/>
-            <a:headEnd type="none" w="med" len="med"/>
-            <a:tailEnd type="none" w="med" len="med"/>
-          </a:ln>
-        </p:spPr>
-        <p:style>
-          <a:lnRef idx="0">
-            <a:scrgbClr r="0" g="0" b="0"/>
-          </a:lnRef>
-          <a:fillRef idx="0">
-            <a:scrgbClr r="0" g="0" b="0"/>
-          </a:fillRef>
-          <a:effectRef idx="0">
-            <a:scrgbClr r="0" g="0" b="0"/>
-          </a:effectRef>
-          <a:fontRef idx="minor">
-            <a:schemeClr val="accent4"/>
-          </a:fontRef>
-        </p:style>
-        <p:txBody>
-          <a:bodyPr rtlCol="0" anchor="ctr"/>
-          <a:lstStyle/>
-          <a:p>
-            <a:pPr algn="ctr"/>
-            <a:endParaRPr lang="en-US" sz="2400"/>
-          </a:p>
-        </p:txBody>
-      </p:sp>
-      <p:cxnSp>
-        <p:nvCxnSpPr>
-          <p:cNvPr id="14" name="Connector: Elbow 13">
-            <a:extLst>
-              <a:ext uri="{FF2B5EF4-FFF2-40B4-BE49-F238E27FC236}">
-                <a16:creationId xmlns:a16="http://schemas.microsoft.com/office/drawing/2014/main" id="{CBE9F361-7C9C-4C56-B367-EEEC4E87221F}"/>
-              </a:ext>
-            </a:extLst>
-          </p:cNvPr>
-          <p:cNvCxnSpPr>
-            <a:cxnSpLocks/>
-            <a:endCxn id="9" idx="2"/>
-          </p:cNvCxnSpPr>
-          <p:nvPr/>
-        </p:nvCxnSpPr>
-        <p:spPr>
-          <a:xfrm flipV="1">
-            <a:off x="1196357" y="2657062"/>
-            <a:ext cx="4717409" cy="1652685"/>
-          </a:xfrm>
-          <a:prstGeom prst="bentConnector2">
-            <a:avLst/>
-          </a:prstGeom>
-          <a:ln>
-            <a:solidFill>
-              <a:srgbClr val="92D050"/>
-            </a:solidFill>
-            <a:tailEnd type="triangle"/>
-          </a:ln>
-        </p:spPr>
-        <p:style>
-          <a:lnRef idx="3">
-            <a:schemeClr val="accent1"/>
-          </a:lnRef>
-          <a:fillRef idx="0">
-            <a:schemeClr val="accent1"/>
-          </a:fillRef>
-          <a:effectRef idx="2">
-            <a:schemeClr val="accent1"/>
-          </a:effectRef>
-          <a:fontRef idx="minor">
-            <a:schemeClr val="tx1"/>
-          </a:fontRef>
-        </p:style>
-      </p:cxnSp>
-      <p:cxnSp>
-        <p:nvCxnSpPr>
-          <p:cNvPr id="15" name="Connector: Elbow 14">
-            <a:extLst>
-              <a:ext uri="{FF2B5EF4-FFF2-40B4-BE49-F238E27FC236}">
-                <a16:creationId xmlns:a16="http://schemas.microsoft.com/office/drawing/2014/main" id="{0675B314-D4D1-4762-B5C6-78CBAF11C7D7}"/>
-              </a:ext>
-            </a:extLst>
-          </p:cNvPr>
-          <p:cNvCxnSpPr>
-            <a:cxnSpLocks/>
-            <a:endCxn id="5" idx="2"/>
-          </p:cNvCxnSpPr>
-          <p:nvPr/>
-        </p:nvCxnSpPr>
-        <p:spPr>
-          <a:xfrm flipV="1">
-            <a:off x="2278381" y="3165387"/>
-            <a:ext cx="684545" cy="432579"/>
-          </a:xfrm>
-          <a:prstGeom prst="bentConnector2">
-            <a:avLst/>
-          </a:prstGeom>
-          <a:ln>
-            <a:solidFill>
-              <a:srgbClr val="92D050"/>
-            </a:solidFill>
-            <a:tailEnd type="triangle"/>
-          </a:ln>
-        </p:spPr>
-        <p:style>
-          <a:lnRef idx="3">
-            <a:schemeClr val="accent1"/>
-          </a:lnRef>
-          <a:fillRef idx="0">
-            <a:schemeClr val="accent1"/>
-          </a:fillRef>
-          <a:effectRef idx="2">
-            <a:schemeClr val="accent1"/>
-          </a:effectRef>
-          <a:fontRef idx="minor">
-            <a:schemeClr val="tx1"/>
-          </a:fontRef>
-        </p:style>
-      </p:cxnSp>
-      <p:cxnSp>
-        <p:nvCxnSpPr>
-          <p:cNvPr id="20" name="Connector: Elbow 19">
-            <a:extLst>
-              <a:ext uri="{FF2B5EF4-FFF2-40B4-BE49-F238E27FC236}">
-                <a16:creationId xmlns:a16="http://schemas.microsoft.com/office/drawing/2014/main" id="{700A79EC-1982-473F-B11C-B867EC9EAF3A}"/>
-              </a:ext>
-            </a:extLst>
-          </p:cNvPr>
-          <p:cNvCxnSpPr>
-            <a:cxnSpLocks/>
-            <a:endCxn id="7" idx="2"/>
-          </p:cNvCxnSpPr>
-          <p:nvPr/>
-        </p:nvCxnSpPr>
-        <p:spPr>
-          <a:xfrm flipV="1">
-            <a:off x="1843518" y="1954446"/>
-            <a:ext cx="2060580" cy="1988076"/>
-          </a:xfrm>
-          <a:prstGeom prst="bentConnector2">
-            <a:avLst/>
-          </a:prstGeom>
-          <a:ln>
-            <a:solidFill>
-              <a:srgbClr val="92D050"/>
-            </a:solidFill>
-            <a:tailEnd type="triangle"/>
-          </a:ln>
-        </p:spPr>
-        <p:style>
-          <a:lnRef idx="3">
-            <a:schemeClr val="accent1"/>
-          </a:lnRef>
-          <a:fillRef idx="0">
-            <a:schemeClr val="accent1"/>
-          </a:fillRef>
-          <a:effectRef idx="2">
-            <a:schemeClr val="accent1"/>
-          </a:effectRef>
-          <a:fontRef idx="minor">
-            <a:schemeClr val="tx1"/>
-          </a:fontRef>
-        </p:style>
-      </p:cxnSp>
-      <p:sp>
-        <p:nvSpPr>
-          <p:cNvPr id="35" name="TextBox 34">
-            <a:extLst>
-              <a:ext uri="{FF2B5EF4-FFF2-40B4-BE49-F238E27FC236}">
-                <a16:creationId xmlns:a16="http://schemas.microsoft.com/office/drawing/2014/main" id="{9DC93C5A-E840-4951-B4D1-C6F9198C15E6}"/>
-              </a:ext>
-            </a:extLst>
-          </p:cNvPr>
-          <p:cNvSpPr txBox="1"/>
-          <p:nvPr/>
-        </p:nvSpPr>
-        <p:spPr>
-          <a:xfrm>
-            <a:off x="87091" y="3315600"/>
-            <a:ext cx="1999265" cy="461665"/>
-          </a:xfrm>
-          <a:prstGeom prst="rect">
-            <a:avLst/>
-          </a:prstGeom>
-          <a:noFill/>
-        </p:spPr>
-        <p:txBody>
-          <a:bodyPr wrap="none" rtlCol="0">
-            <a:spAutoFit/>
-          </a:bodyPr>
-          <a:lstStyle/>
-          <a:p>
-            <a:r>
-              <a:rPr lang="en-US" sz="2400" b="1" dirty="0">
-                <a:solidFill>
-                  <a:srgbClr val="FF0000"/>
-                </a:solidFill>
-              </a:rPr>
-              <a:t>1 </a:t>
-            </a:r>
-            <a:r>
-              <a:rPr lang="th-TH" sz="1467" b="1" dirty="0"/>
-              <a:t>คล</a:t>
-            </a:r>
-            <a:r>
-              <a:rPr lang="th-TH" sz="1467" b="1" dirty="0" err="1"/>
-              <a:t>ิ๊ก</a:t>
-            </a:r>
-            <a:r>
-              <a:rPr lang="en-US" sz="1467" b="1" dirty="0"/>
-              <a:t> Icon Extensions  </a:t>
-            </a:r>
-            <a:endParaRPr lang="en-US" sz="2400" b="1" dirty="0"/>
-          </a:p>
-        </p:txBody>
-      </p:sp>
-      <p:sp>
-        <p:nvSpPr>
-          <p:cNvPr id="37" name="TextBox 36">
-            <a:extLst>
-              <a:ext uri="{FF2B5EF4-FFF2-40B4-BE49-F238E27FC236}">
-                <a16:creationId xmlns:a16="http://schemas.microsoft.com/office/drawing/2014/main" id="{B1F62E6D-556D-45FB-A5CA-30D593037E5A}"/>
-              </a:ext>
-            </a:extLst>
-          </p:cNvPr>
-          <p:cNvSpPr txBox="1"/>
-          <p:nvPr/>
-        </p:nvSpPr>
-        <p:spPr>
-          <a:xfrm>
-            <a:off x="97835" y="3653465"/>
-            <a:ext cx="1435521" cy="461665"/>
-          </a:xfrm>
-          <a:prstGeom prst="rect">
-            <a:avLst/>
-          </a:prstGeom>
-          <a:noFill/>
-        </p:spPr>
-        <p:txBody>
-          <a:bodyPr wrap="none" rtlCol="0">
-            <a:spAutoFit/>
-          </a:bodyPr>
-          <a:lstStyle/>
-          <a:p>
-            <a:r>
-              <a:rPr lang="en-US" sz="2400" b="1" dirty="0">
-                <a:solidFill>
-                  <a:srgbClr val="FF0000"/>
-                </a:solidFill>
-              </a:rPr>
-              <a:t>2</a:t>
-            </a:r>
-            <a:r>
-              <a:rPr lang="th-TH" sz="2400" b="1" dirty="0">
-                <a:solidFill>
-                  <a:srgbClr val="FF0000"/>
-                </a:solidFill>
-              </a:rPr>
-              <a:t> </a:t>
-            </a:r>
-            <a:r>
-              <a:rPr lang="en-US" sz="1467" b="1" dirty="0"/>
-              <a:t>Search Name</a:t>
-            </a:r>
-            <a:endParaRPr lang="en-US" sz="2400" b="1" dirty="0"/>
-          </a:p>
-        </p:txBody>
-      </p:sp>
-      <p:sp>
-        <p:nvSpPr>
-          <p:cNvPr id="38" name="TextBox 37">
-            <a:extLst>
-              <a:ext uri="{FF2B5EF4-FFF2-40B4-BE49-F238E27FC236}">
-                <a16:creationId xmlns:a16="http://schemas.microsoft.com/office/drawing/2014/main" id="{78253D5F-5360-4A11-B10F-32A71E766E06}"/>
-              </a:ext>
-            </a:extLst>
-          </p:cNvPr>
-          <p:cNvSpPr txBox="1"/>
-          <p:nvPr/>
-        </p:nvSpPr>
-        <p:spPr>
-          <a:xfrm>
-            <a:off x="101380" y="4024782"/>
-            <a:ext cx="882806" cy="461665"/>
-          </a:xfrm>
-          <a:prstGeom prst="rect">
-            <a:avLst/>
-          </a:prstGeom>
-          <a:noFill/>
-        </p:spPr>
-        <p:txBody>
-          <a:bodyPr wrap="none" rtlCol="0">
-            <a:spAutoFit/>
-          </a:bodyPr>
-          <a:lstStyle/>
-          <a:p>
-            <a:r>
-              <a:rPr lang="en-US" sz="2400" b="1" dirty="0">
-                <a:solidFill>
-                  <a:srgbClr val="FF0000"/>
-                </a:solidFill>
-              </a:rPr>
-              <a:t>3 </a:t>
-            </a:r>
-            <a:r>
-              <a:rPr lang="en-US" sz="1467" b="1" dirty="0"/>
-              <a:t>Install</a:t>
-            </a:r>
-            <a:endParaRPr lang="en-US" sz="2400" b="1" dirty="0"/>
-          </a:p>
-        </p:txBody>
-      </p:sp>
-      <p:sp>
-        <p:nvSpPr>
-          <p:cNvPr id="40" name="Title 1">
-            <a:extLst>
-              <a:ext uri="{FF2B5EF4-FFF2-40B4-BE49-F238E27FC236}">
-                <a16:creationId xmlns:a16="http://schemas.microsoft.com/office/drawing/2014/main" id="{BA778E92-6049-4E38-BCE6-1508C4881362}"/>
-              </a:ext>
-            </a:extLst>
-          </p:cNvPr>
-          <p:cNvSpPr>
-            <a:spLocks noGrp="1"/>
-          </p:cNvSpPr>
-          <p:nvPr>
-            <p:ph type="title"/>
-          </p:nvPr>
-        </p:nvSpPr>
-        <p:spPr>
-          <a:xfrm>
-            <a:off x="5020785" y="347749"/>
-            <a:ext cx="4309959" cy="755204"/>
-          </a:xfrm>
-        </p:spPr>
-        <p:txBody>
-          <a:bodyPr/>
-          <a:lstStyle/>
-          <a:p>
-            <a:r>
-              <a:rPr lang="en-US" dirty="0">
-                <a:latin typeface="+mn-lt"/>
-              </a:rPr>
-              <a:t>Install Extensions </a:t>
-            </a:r>
-          </a:p>
-        </p:txBody>
-      </p:sp>
-    </p:spTree>
-    <p:extLst>
-      <p:ext uri="{BB962C8B-B14F-4D97-AF65-F5344CB8AC3E}">
-        <p14:creationId xmlns:p14="http://schemas.microsoft.com/office/powerpoint/2010/main" val="1633510752"/>
       </p:ext>
     </p:extLst>
   </p:cSld>
